--- a/presentation/SYTYCD.TeamKojak.pptx
+++ b/presentation/SYTYCD.TeamKojak.pptx
@@ -16,6 +16,7 @@
     <p:sldId id="264" r:id="rId10"/>
     <p:sldId id="265" r:id="rId11"/>
     <p:sldId id="266" r:id="rId12"/>
+    <p:sldId id="268" r:id="rId13"/>
   </p:sldIdLst>
   <p:sldSz cx="9144000" cy="6858000" type="screen4x3"/>
   <p:notesSz cx="6858000" cy="9144000"/>
@@ -298,7 +299,7 @@
           <a:p>
             <a:fld id="{7B02F78A-A062-48ED-B225-8161CFCD60D3}" type="datetimeFigureOut">
               <a:rPr lang="en-US" smtClean="0"/>
-              <a:t>9/3/2013</a:t>
+              <a:t>9/6/2013</a:t>
             </a:fld>
             <a:endParaRPr lang="en-US"/>
           </a:p>
@@ -468,7 +469,7 @@
           <a:p>
             <a:fld id="{7B02F78A-A062-48ED-B225-8161CFCD60D3}" type="datetimeFigureOut">
               <a:rPr lang="en-US" smtClean="0"/>
-              <a:t>9/3/2013</a:t>
+              <a:t>9/6/2013</a:t>
             </a:fld>
             <a:endParaRPr lang="en-US"/>
           </a:p>
@@ -648,7 +649,7 @@
           <a:p>
             <a:fld id="{7B02F78A-A062-48ED-B225-8161CFCD60D3}" type="datetimeFigureOut">
               <a:rPr lang="en-US" smtClean="0"/>
-              <a:t>9/3/2013</a:t>
+              <a:t>9/6/2013</a:t>
             </a:fld>
             <a:endParaRPr lang="en-US"/>
           </a:p>
@@ -818,7 +819,7 @@
           <a:p>
             <a:fld id="{7B02F78A-A062-48ED-B225-8161CFCD60D3}" type="datetimeFigureOut">
               <a:rPr lang="en-US" smtClean="0"/>
-              <a:t>9/3/2013</a:t>
+              <a:t>9/6/2013</a:t>
             </a:fld>
             <a:endParaRPr lang="en-US"/>
           </a:p>
@@ -1064,7 +1065,7 @@
           <a:p>
             <a:fld id="{7B02F78A-A062-48ED-B225-8161CFCD60D3}" type="datetimeFigureOut">
               <a:rPr lang="en-US" smtClean="0"/>
-              <a:t>9/3/2013</a:t>
+              <a:t>9/6/2013</a:t>
             </a:fld>
             <a:endParaRPr lang="en-US"/>
           </a:p>
@@ -1352,7 +1353,7 @@
           <a:p>
             <a:fld id="{7B02F78A-A062-48ED-B225-8161CFCD60D3}" type="datetimeFigureOut">
               <a:rPr lang="en-US" smtClean="0"/>
-              <a:t>9/3/2013</a:t>
+              <a:t>9/6/2013</a:t>
             </a:fld>
             <a:endParaRPr lang="en-US"/>
           </a:p>
@@ -1774,7 +1775,7 @@
           <a:p>
             <a:fld id="{7B02F78A-A062-48ED-B225-8161CFCD60D3}" type="datetimeFigureOut">
               <a:rPr lang="en-US" smtClean="0"/>
-              <a:t>9/3/2013</a:t>
+              <a:t>9/6/2013</a:t>
             </a:fld>
             <a:endParaRPr lang="en-US"/>
           </a:p>
@@ -1892,7 +1893,7 @@
           <a:p>
             <a:fld id="{7B02F78A-A062-48ED-B225-8161CFCD60D3}" type="datetimeFigureOut">
               <a:rPr lang="en-US" smtClean="0"/>
-              <a:t>9/3/2013</a:t>
+              <a:t>9/6/2013</a:t>
             </a:fld>
             <a:endParaRPr lang="en-US"/>
           </a:p>
@@ -1987,7 +1988,7 @@
           <a:p>
             <a:fld id="{7B02F78A-A062-48ED-B225-8161CFCD60D3}" type="datetimeFigureOut">
               <a:rPr lang="en-US" smtClean="0"/>
-              <a:t>9/3/2013</a:t>
+              <a:t>9/6/2013</a:t>
             </a:fld>
             <a:endParaRPr lang="en-US"/>
           </a:p>
@@ -2264,7 +2265,7 @@
           <a:p>
             <a:fld id="{7B02F78A-A062-48ED-B225-8161CFCD60D3}" type="datetimeFigureOut">
               <a:rPr lang="en-US" smtClean="0"/>
-              <a:t>9/3/2013</a:t>
+              <a:t>9/6/2013</a:t>
             </a:fld>
             <a:endParaRPr lang="en-US"/>
           </a:p>
@@ -2517,7 +2518,7 @@
           <a:p>
             <a:fld id="{7B02F78A-A062-48ED-B225-8161CFCD60D3}" type="datetimeFigureOut">
               <a:rPr lang="en-US" smtClean="0"/>
-              <a:t>9/3/2013</a:t>
+              <a:t>9/6/2013</a:t>
             </a:fld>
             <a:endParaRPr lang="en-US"/>
           </a:p>
@@ -2730,7 +2731,7 @@
           <a:p>
             <a:fld id="{7B02F78A-A062-48ED-B225-8161CFCD60D3}" type="datetimeFigureOut">
               <a:rPr lang="en-US" smtClean="0"/>
-              <a:t>9/3/2013</a:t>
+              <a:t>9/6/2013</a:t>
             </a:fld>
             <a:endParaRPr lang="en-US"/>
           </a:p>
@@ -3210,11 +3211,11 @@
   <p:clrMapOvr>
     <a:masterClrMapping/>
   </p:clrMapOvr>
-  <mc:AlternateContent xmlns:mc="http://schemas.openxmlformats.org/markup-compatibility/2006">
-    <mc:Choice xmlns:p14="http://schemas.microsoft.com/office/powerpoint/2010/main" Requires="p14">
+  <mc:AlternateContent xmlns:mc="http://schemas.openxmlformats.org/markup-compatibility/2006" xmlns:p14="http://schemas.microsoft.com/office/powerpoint/2010/main">
+    <mc:Choice Requires="p14">
       <p:transition spd="slow" p14:dur="2000"/>
     </mc:Choice>
-    <mc:Fallback>
+    <mc:Fallback xmlns="">
       <p:transition spd="slow"/>
     </mc:Fallback>
   </mc:AlternateContent>
@@ -3340,11 +3341,11 @@
   <p:clrMapOvr>
     <a:masterClrMapping/>
   </p:clrMapOvr>
-  <mc:AlternateContent xmlns:mc="http://schemas.openxmlformats.org/markup-compatibility/2006">
-    <mc:Choice xmlns:p14="http://schemas.microsoft.com/office/powerpoint/2010/main" Requires="p14">
+  <mc:AlternateContent xmlns:mc="http://schemas.openxmlformats.org/markup-compatibility/2006" xmlns:p14="http://schemas.microsoft.com/office/powerpoint/2010/main">
+    <mc:Choice Requires="p14">
       <p:transition spd="slow" p14:dur="2000"/>
     </mc:Choice>
-    <mc:Fallback>
+    <mc:Fallback xmlns="">
       <p:transition spd="slow"/>
     </mc:Fallback>
   </mc:AlternateContent>
@@ -3470,12 +3471,159 @@
   <p:clrMapOvr>
     <a:masterClrMapping/>
   </p:clrMapOvr>
+  <mc:AlternateContent xmlns:mc="http://schemas.openxmlformats.org/markup-compatibility/2006" xmlns:p14="http://schemas.microsoft.com/office/powerpoint/2010/main">
+    <mc:Choice Requires="p14">
+      <p:transition spd="slow" p14:dur="2000"/>
+    </mc:Choice>
+    <mc:Fallback xmlns="">
+      <p:transition spd="slow"/>
+    </mc:Fallback>
+  </mc:AlternateContent>
+  <p:timing>
+    <p:tnLst>
+      <p:par>
+        <p:cTn id="1" dur="indefinite" restart="never" nodeType="tmRoot"/>
+      </p:par>
+    </p:tnLst>
+  </p:timing>
+</p:sld>
+</file>
+
+<file path=ppt/slides/slide12.xml><?xml version="1.0" encoding="utf-8"?>
+<p:sld xmlns:a="http://schemas.openxmlformats.org/drawingml/2006/main" xmlns:r="http://schemas.openxmlformats.org/officeDocument/2006/relationships" xmlns:p="http://schemas.openxmlformats.org/presentationml/2006/main">
+  <p:cSld>
+    <p:spTree>
+      <p:nvGrpSpPr>
+        <p:cNvPr id="1" name=""/>
+        <p:cNvGrpSpPr/>
+        <p:nvPr/>
+      </p:nvGrpSpPr>
+      <p:grpSpPr>
+        <a:xfrm>
+          <a:off x="0" y="0"/>
+          <a:ext cx="0" cy="0"/>
+          <a:chOff x="0" y="0"/>
+          <a:chExt cx="0" cy="0"/>
+        </a:xfrm>
+      </p:grpSpPr>
+      <p:sp>
+        <p:nvSpPr>
+          <p:cNvPr id="2" name="Title 1"/>
+          <p:cNvSpPr>
+            <a:spLocks noGrp="1"/>
+          </p:cNvSpPr>
+          <p:nvPr>
+            <p:ph type="title"/>
+          </p:nvPr>
+        </p:nvSpPr>
+        <p:spPr/>
+        <p:txBody>
+          <a:bodyPr/>
+          <a:lstStyle/>
+          <a:p>
+            <a:r>
+              <a:rPr lang="en-US" dirty="0" smtClean="0"/>
+              <a:t>Credits</a:t>
+            </a:r>
+            <a:endParaRPr lang="en-US" dirty="0"/>
+          </a:p>
+        </p:txBody>
+      </p:sp>
+      <p:sp>
+        <p:nvSpPr>
+          <p:cNvPr id="3" name="TextBox 2"/>
+          <p:cNvSpPr txBox="1"/>
+          <p:nvPr/>
+        </p:nvSpPr>
+        <p:spPr>
+          <a:xfrm>
+            <a:off x="1115616" y="1700808"/>
+            <a:ext cx="6912768" cy="3416320"/>
+          </a:xfrm>
+          <a:prstGeom prst="rect">
+            <a:avLst/>
+          </a:prstGeom>
+          <a:noFill/>
+        </p:spPr>
+        <p:txBody>
+          <a:bodyPr wrap="square" rtlCol="0">
+            <a:spAutoFit/>
+          </a:bodyPr>
+          <a:lstStyle/>
+          <a:p>
+            <a:r>
+              <a:rPr lang="en-US" dirty="0" smtClean="0"/>
+              <a:t>Jochen from the Boardroom			Jochen Joerg</a:t>
+            </a:r>
+          </a:p>
+          <a:p>
+            <a:endParaRPr lang="en-US" dirty="0" smtClean="0"/>
+          </a:p>
+          <a:p>
+            <a:r>
+              <a:rPr lang="en-US" dirty="0" smtClean="0"/>
+              <a:t>Ken from Legacy Systems			Ken Tune</a:t>
+            </a:r>
+          </a:p>
+          <a:p>
+            <a:endParaRPr lang="en-US" dirty="0" smtClean="0"/>
+          </a:p>
+          <a:p>
+            <a:r>
+              <a:rPr lang="en-US" dirty="0" smtClean="0"/>
+              <a:t>Adam from the Future			Adam Fowler</a:t>
+            </a:r>
+          </a:p>
+          <a:p>
+            <a:endParaRPr lang="en-US" dirty="0"/>
+          </a:p>
+          <a:p>
+            <a:r>
+              <a:rPr lang="en-US" dirty="0" smtClean="0"/>
+              <a:t>Narration					???</a:t>
+            </a:r>
+          </a:p>
+          <a:p>
+            <a:endParaRPr lang="en-US" dirty="0"/>
+          </a:p>
+          <a:p>
+            <a:r>
+              <a:rPr lang="en-US" dirty="0" smtClean="0"/>
+              <a:t>Digital Platform 				MarkLogic Corporation</a:t>
+            </a:r>
+          </a:p>
+          <a:p>
+            <a:endParaRPr lang="en-US" dirty="0"/>
+          </a:p>
+          <a:p>
+            <a:endParaRPr lang="en-US" dirty="0" smtClean="0"/>
+          </a:p>
+          <a:p>
+            <a:pPr algn="ctr"/>
+            <a:r>
+              <a:rPr lang="en-US" dirty="0" smtClean="0"/>
+              <a:t>This was an EMEA Production</a:t>
+            </a:r>
+            <a:endParaRPr lang="en-US" dirty="0"/>
+          </a:p>
+        </p:txBody>
+      </p:sp>
+    </p:spTree>
+    <p:extLst>
+      <p:ext uri="{BB962C8B-B14F-4D97-AF65-F5344CB8AC3E}">
+        <p14:creationId xmlns:p14="http://schemas.microsoft.com/office/powerpoint/2010/main" val="3800224793"/>
+      </p:ext>
+    </p:extLst>
+  </p:cSld>
+  <p:clrMapOvr>
+    <a:masterClrMapping/>
+  </p:clrMapOvr>
   <mc:AlternateContent xmlns:mc="http://schemas.openxmlformats.org/markup-compatibility/2006">
     <mc:Choice xmlns:p14="http://schemas.microsoft.com/office/powerpoint/2010/main" Requires="p14">
-      <p:transition spd="slow" p14:dur="2000"/>
+      <p:transition p14:dur="0"/>
     </mc:Choice>
     <mc:Fallback>
-      <p:transition spd="slow"/>
+      <p:transition/>
     </mc:Fallback>
   </mc:AlternateContent>
   <p:timing>
@@ -3527,7 +3675,15 @@
           <a:p>
             <a:r>
               <a:rPr lang="en-US" dirty="0" smtClean="0"/>
-              <a:t>Team Kojak Presents</a:t>
+              <a:t>Team </a:t>
+            </a:r>
+            <a:r>
+              <a:rPr lang="en-US" dirty="0" smtClean="0"/>
+              <a:t>Kojak* </a:t>
+            </a:r>
+            <a:r>
+              <a:rPr lang="en-US" dirty="0" smtClean="0"/>
+              <a:t>Presents</a:t>
             </a:r>
             <a:endParaRPr lang="en-US" dirty="0"/>
           </a:p>
@@ -3566,6 +3722,49 @@
           </a:ln>
         </p:spPr>
       </p:pic>
+      <p:sp>
+        <p:nvSpPr>
+          <p:cNvPr id="3" name="TextBox 2"/>
+          <p:cNvSpPr txBox="1"/>
+          <p:nvPr/>
+        </p:nvSpPr>
+        <p:spPr>
+          <a:xfrm>
+            <a:off x="1007604" y="5686509"/>
+            <a:ext cx="7128792" cy="338554"/>
+          </a:xfrm>
+          <a:prstGeom prst="rect">
+            <a:avLst/>
+          </a:prstGeom>
+          <a:noFill/>
+        </p:spPr>
+        <p:txBody>
+          <a:bodyPr wrap="square" rtlCol="0">
+            <a:spAutoFit/>
+          </a:bodyPr>
+          <a:lstStyle/>
+          <a:p>
+            <a:pPr algn="ctr"/>
+            <a:r>
+              <a:rPr lang="en-US" sz="1600" dirty="0"/>
+              <a:t>*</a:t>
+            </a:r>
+            <a:r>
+              <a:rPr lang="en-US" sz="1600" dirty="0" smtClean="0"/>
+              <a:t>Ko J(</a:t>
+            </a:r>
+            <a:r>
+              <a:rPr lang="en-US" sz="1600" dirty="0" err="1" smtClean="0"/>
+              <a:t>ochen</a:t>
+            </a:r>
+            <a:r>
+              <a:rPr lang="en-US" sz="1600" dirty="0" smtClean="0"/>
+              <a:t>) A(dam) K(en)</a:t>
+            </a:r>
+            <a:endParaRPr lang="en-US" sz="1600" dirty="0"/>
+          </a:p>
+        </p:txBody>
+      </p:sp>
     </p:spTree>
     <p:extLst>
       <p:ext uri="{BB962C8B-B14F-4D97-AF65-F5344CB8AC3E}">
@@ -3578,14 +3777,10 @@
   </p:clrMapOvr>
   <mc:AlternateContent xmlns:mc="http://schemas.openxmlformats.org/markup-compatibility/2006">
     <mc:Choice xmlns:p14="http://schemas.microsoft.com/office/powerpoint/2010/main" Requires="p14">
-      <p:transition spd="slow" p14:dur="3000">
-        <p:blinds dir="vert"/>
-      </p:transition>
+      <p:transition p14:dur="0"/>
     </mc:Choice>
     <mc:Fallback>
-      <p:transition spd="slow">
-        <p:blinds dir="vert"/>
-      </p:transition>
+      <p:transition/>
     </mc:Fallback>
   </mc:AlternateContent>
   <p:timing>
@@ -3742,101 +3937,18 @@
   </p:clrMapOvr>
   <mc:AlternateContent xmlns:mc="http://schemas.openxmlformats.org/markup-compatibility/2006">
     <mc:Choice xmlns:p14="http://schemas.microsoft.com/office/powerpoint/2010/main" Requires="p14">
-      <p:transition spd="slow" p14:dur="2500">
-        <p:blinds dir="vert"/>
-      </p:transition>
+      <p:transition p14:dur="0"/>
     </mc:Choice>
     <mc:Fallback>
-      <p:transition spd="slow">
-        <p:blinds dir="vert"/>
-      </p:transition>
+      <p:transition/>
     </mc:Fallback>
   </mc:AlternateContent>
   <p:timing>
     <p:tnLst>
       <p:par>
-        <p:cTn id="1" dur="indefinite" restart="never" nodeType="tmRoot">
-          <p:childTnLst>
-            <p:seq concurrent="1" nextAc="seek">
-              <p:cTn id="2" dur="indefinite" nodeType="mainSeq">
-                <p:childTnLst>
-                  <p:par>
-                    <p:cTn id="3" fill="hold">
-                      <p:stCondLst>
-                        <p:cond delay="indefinite"/>
-                      </p:stCondLst>
-                      <p:childTnLst>
-                        <p:par>
-                          <p:cTn id="4" fill="hold">
-                            <p:stCondLst>
-                              <p:cond delay="0"/>
-                            </p:stCondLst>
-                            <p:childTnLst>
-                              <p:par>
-                                <p:cTn id="5" presetID="16" presetClass="entr" presetSubtype="21" fill="hold" grpId="0" nodeType="clickEffect">
-                                  <p:stCondLst>
-                                    <p:cond delay="0"/>
-                                  </p:stCondLst>
-                                  <p:childTnLst>
-                                    <p:set>
-                                      <p:cBhvr>
-                                        <p:cTn id="6" dur="1" fill="hold">
-                                          <p:stCondLst>
-                                            <p:cond delay="0"/>
-                                          </p:stCondLst>
-                                        </p:cTn>
-                                        <p:tgtEl>
-                                          <p:spTgt spid="5"/>
-                                        </p:tgtEl>
-                                        <p:attrNameLst>
-                                          <p:attrName>style.visibility</p:attrName>
-                                        </p:attrNameLst>
-                                      </p:cBhvr>
-                                      <p:to>
-                                        <p:strVal val="visible"/>
-                                      </p:to>
-                                    </p:set>
-                                    <p:animEffect transition="in" filter="barn(inVertical)">
-                                      <p:cBhvr>
-                                        <p:cTn id="7" dur="2000"/>
-                                        <p:tgtEl>
-                                          <p:spTgt spid="5"/>
-                                        </p:tgtEl>
-                                      </p:cBhvr>
-                                    </p:animEffect>
-                                  </p:childTnLst>
-                                </p:cTn>
-                              </p:par>
-                            </p:childTnLst>
-                          </p:cTn>
-                        </p:par>
-                      </p:childTnLst>
-                    </p:cTn>
-                  </p:par>
-                </p:childTnLst>
-              </p:cTn>
-              <p:prevCondLst>
-                <p:cond evt="onPrev" delay="0">
-                  <p:tgtEl>
-                    <p:sldTgt/>
-                  </p:tgtEl>
-                </p:cond>
-              </p:prevCondLst>
-              <p:nextCondLst>
-                <p:cond evt="onNext" delay="0">
-                  <p:tgtEl>
-                    <p:sldTgt/>
-                  </p:tgtEl>
-                </p:cond>
-              </p:nextCondLst>
-            </p:seq>
-          </p:childTnLst>
-        </p:cTn>
+        <p:cTn id="1" dur="indefinite" restart="never" nodeType="tmRoot"/>
       </p:par>
     </p:tnLst>
-    <p:bldLst>
-      <p:bldP spid="5" grpId="0"/>
-    </p:bldLst>
   </p:timing>
 </p:sld>
 </file>
@@ -3896,11 +4008,11 @@
   <p:clrMapOvr>
     <a:masterClrMapping/>
   </p:clrMapOvr>
-  <mc:AlternateContent xmlns:mc="http://schemas.openxmlformats.org/markup-compatibility/2006">
-    <mc:Choice xmlns:p14="http://schemas.microsoft.com/office/powerpoint/2010/main" Requires="p14">
+  <mc:AlternateContent xmlns:mc="http://schemas.openxmlformats.org/markup-compatibility/2006" xmlns:p14="http://schemas.microsoft.com/office/powerpoint/2010/main">
+    <mc:Choice Requires="p14">
       <p:transition spd="slow" p14:dur="2000"/>
     </mc:Choice>
-    <mc:Fallback>
+    <mc:Fallback xmlns="">
       <p:transition spd="slow"/>
     </mc:Fallback>
   </mc:AlternateContent>
@@ -4000,140 +4112,18 @@
   <p:clrMapOvr>
     <a:masterClrMapping/>
   </p:clrMapOvr>
-  <mc:AlternateContent xmlns:mc="http://schemas.openxmlformats.org/markup-compatibility/2006">
-    <mc:Choice xmlns:p14="http://schemas.microsoft.com/office/powerpoint/2010/main" Requires="p14">
+  <mc:AlternateContent xmlns:mc="http://schemas.openxmlformats.org/markup-compatibility/2006" xmlns:p14="http://schemas.microsoft.com/office/powerpoint/2010/main">
+    <mc:Choice Requires="p14">
       <p:transition spd="slow" p14:dur="2000"/>
     </mc:Choice>
-    <mc:Fallback>
+    <mc:Fallback xmlns="">
       <p:transition spd="slow"/>
     </mc:Fallback>
   </mc:AlternateContent>
   <p:timing>
     <p:tnLst>
       <p:par>
-        <p:cTn id="1" dur="indefinite" restart="never" nodeType="tmRoot">
-          <p:childTnLst>
-            <p:seq concurrent="1" nextAc="seek">
-              <p:cTn id="2" dur="indefinite" nodeType="mainSeq">
-                <p:childTnLst>
-                  <p:par>
-                    <p:cTn id="3" fill="hold">
-                      <p:stCondLst>
-                        <p:cond delay="indefinite"/>
-                      </p:stCondLst>
-                      <p:childTnLst>
-                        <p:par>
-                          <p:cTn id="4" fill="hold">
-                            <p:stCondLst>
-                              <p:cond delay="0"/>
-                            </p:stCondLst>
-                            <p:childTnLst>
-                              <p:par>
-                                <p:cTn id="5" presetID="45" presetClass="entr" presetSubtype="0" fill="hold" nodeType="clickEffect">
-                                  <p:stCondLst>
-                                    <p:cond delay="0"/>
-                                  </p:stCondLst>
-                                  <p:childTnLst>
-                                    <p:set>
-                                      <p:cBhvr>
-                                        <p:cTn id="6" dur="1" fill="hold">
-                                          <p:stCondLst>
-                                            <p:cond delay="0"/>
-                                          </p:stCondLst>
-                                        </p:cTn>
-                                        <p:tgtEl>
-                                          <p:spTgt spid="4"/>
-                                        </p:tgtEl>
-                                        <p:attrNameLst>
-                                          <p:attrName>style.visibility</p:attrName>
-                                        </p:attrNameLst>
-                                      </p:cBhvr>
-                                      <p:to>
-                                        <p:strVal val="visible"/>
-                                      </p:to>
-                                    </p:set>
-                                    <p:animEffect transition="in" filter="fade">
-                                      <p:cBhvr>
-                                        <p:cTn id="7" dur="2000"/>
-                                        <p:tgtEl>
-                                          <p:spTgt spid="4"/>
-                                        </p:tgtEl>
-                                      </p:cBhvr>
-                                    </p:animEffect>
-                                    <p:anim calcmode="lin" valueType="num">
-                                      <p:cBhvr>
-                                        <p:cTn id="8" dur="2000" fill="hold"/>
-                                        <p:tgtEl>
-                                          <p:spTgt spid="4"/>
-                                        </p:tgtEl>
-                                        <p:attrNameLst>
-                                          <p:attrName>ppt_w</p:attrName>
-                                        </p:attrNameLst>
-                                      </p:cBhvr>
-                                      <p:tavLst>
-                                        <p:tav tm="0" fmla="#ppt_w*sin(2.5*pi*$)">
-                                          <p:val>
-                                            <p:fltVal val="0"/>
-                                          </p:val>
-                                        </p:tav>
-                                        <p:tav tm="100000">
-                                          <p:val>
-                                            <p:fltVal val="1"/>
-                                          </p:val>
-                                        </p:tav>
-                                      </p:tavLst>
-                                    </p:anim>
-                                    <p:anim calcmode="lin" valueType="num">
-                                      <p:cBhvr>
-                                        <p:cTn id="9" dur="2000" fill="hold"/>
-                                        <p:tgtEl>
-                                          <p:spTgt spid="4"/>
-                                        </p:tgtEl>
-                                        <p:attrNameLst>
-                                          <p:attrName>ppt_h</p:attrName>
-                                        </p:attrNameLst>
-                                      </p:cBhvr>
-                                      <p:tavLst>
-                                        <p:tav tm="0">
-                                          <p:val>
-                                            <p:strVal val="#ppt_h"/>
-                                          </p:val>
-                                        </p:tav>
-                                        <p:tav tm="100000">
-                                          <p:val>
-                                            <p:strVal val="#ppt_h"/>
-                                          </p:val>
-                                        </p:tav>
-                                      </p:tavLst>
-                                    </p:anim>
-                                  </p:childTnLst>
-                                </p:cTn>
-                              </p:par>
-                            </p:childTnLst>
-                          </p:cTn>
-                        </p:par>
-                      </p:childTnLst>
-                    </p:cTn>
-                  </p:par>
-                </p:childTnLst>
-              </p:cTn>
-              <p:prevCondLst>
-                <p:cond evt="onPrev" delay="0">
-                  <p:tgtEl>
-                    <p:sldTgt/>
-                  </p:tgtEl>
-                </p:cond>
-              </p:prevCondLst>
-              <p:nextCondLst>
-                <p:cond evt="onNext" delay="0">
-                  <p:tgtEl>
-                    <p:sldTgt/>
-                  </p:tgtEl>
-                </p:cond>
-              </p:nextCondLst>
-            </p:seq>
-          </p:childTnLst>
-        </p:cTn>
+        <p:cTn id="1" dur="indefinite" restart="never" nodeType="tmRoot"/>
       </p:par>
     </p:tnLst>
   </p:timing>
@@ -4226,337 +4216,18 @@
   <p:clrMapOvr>
     <a:masterClrMapping/>
   </p:clrMapOvr>
-  <mc:AlternateContent xmlns:mc="http://schemas.openxmlformats.org/markup-compatibility/2006">
-    <mc:Choice xmlns:p14="http://schemas.microsoft.com/office/powerpoint/2010/main" Requires="p14">
+  <mc:AlternateContent xmlns:mc="http://schemas.openxmlformats.org/markup-compatibility/2006" xmlns:p14="http://schemas.microsoft.com/office/powerpoint/2010/main">
+    <mc:Choice Requires="p14">
       <p:transition spd="slow" p14:dur="2000"/>
     </mc:Choice>
-    <mc:Fallback>
+    <mc:Fallback xmlns="">
       <p:transition spd="slow"/>
     </mc:Fallback>
   </mc:AlternateContent>
   <p:timing>
     <p:tnLst>
       <p:par>
-        <p:cTn id="1" dur="indefinite" restart="never" nodeType="tmRoot">
-          <p:childTnLst>
-            <p:seq concurrent="1" nextAc="seek">
-              <p:cTn id="2" dur="indefinite" nodeType="mainSeq">
-                <p:childTnLst>
-                  <p:par>
-                    <p:cTn id="3" fill="hold">
-                      <p:stCondLst>
-                        <p:cond delay="indefinite"/>
-                      </p:stCondLst>
-                      <p:childTnLst>
-                        <p:par>
-                          <p:cTn id="4" fill="hold">
-                            <p:stCondLst>
-                              <p:cond delay="0"/>
-                            </p:stCondLst>
-                            <p:childTnLst>
-                              <p:par>
-                                <p:cTn id="5" presetID="26" presetClass="entr" presetSubtype="0" fill="hold" nodeType="clickEffect">
-                                  <p:stCondLst>
-                                    <p:cond delay="0"/>
-                                  </p:stCondLst>
-                                  <p:childTnLst>
-                                    <p:set>
-                                      <p:cBhvr>
-                                        <p:cTn id="6" dur="1" fill="hold">
-                                          <p:stCondLst>
-                                            <p:cond delay="0"/>
-                                          </p:stCondLst>
-                                        </p:cTn>
-                                        <p:tgtEl>
-                                          <p:spTgt spid="4"/>
-                                        </p:tgtEl>
-                                        <p:attrNameLst>
-                                          <p:attrName>style.visibility</p:attrName>
-                                        </p:attrNameLst>
-                                      </p:cBhvr>
-                                      <p:to>
-                                        <p:strVal val="visible"/>
-                                      </p:to>
-                                    </p:set>
-                                    <p:animEffect transition="in" filter="wipe(down)">
-                                      <p:cBhvr>
-                                        <p:cTn id="7" dur="580">
-                                          <p:stCondLst>
-                                            <p:cond delay="0"/>
-                                          </p:stCondLst>
-                                        </p:cTn>
-                                        <p:tgtEl>
-                                          <p:spTgt spid="4"/>
-                                        </p:tgtEl>
-                                      </p:cBhvr>
-                                    </p:animEffect>
-                                    <p:anim calcmode="lin" valueType="num">
-                                      <p:cBhvr>
-                                        <p:cTn id="8" dur="1822" tmFilter="0,0; 0.14,0.36; 0.43,0.73; 0.71,0.91; 1.0,1.0">
-                                          <p:stCondLst>
-                                            <p:cond delay="0"/>
-                                          </p:stCondLst>
-                                        </p:cTn>
-                                        <p:tgtEl>
-                                          <p:spTgt spid="4"/>
-                                        </p:tgtEl>
-                                        <p:attrNameLst>
-                                          <p:attrName>ppt_x</p:attrName>
-                                        </p:attrNameLst>
-                                      </p:cBhvr>
-                                      <p:tavLst>
-                                        <p:tav tm="0">
-                                          <p:val>
-                                            <p:strVal val="#ppt_x-0.25"/>
-                                          </p:val>
-                                        </p:tav>
-                                        <p:tav tm="100000">
-                                          <p:val>
-                                            <p:strVal val="#ppt_x"/>
-                                          </p:val>
-                                        </p:tav>
-                                      </p:tavLst>
-                                    </p:anim>
-                                    <p:anim calcmode="lin" valueType="num">
-                                      <p:cBhvr>
-                                        <p:cTn id="9" dur="664" tmFilter="0.0,0.0; 0.25,0.07; 0.50,0.2; 0.75,0.467; 1.0,1.0">
-                                          <p:stCondLst>
-                                            <p:cond delay="0"/>
-                                          </p:stCondLst>
-                                        </p:cTn>
-                                        <p:tgtEl>
-                                          <p:spTgt spid="4"/>
-                                        </p:tgtEl>
-                                        <p:attrNameLst>
-                                          <p:attrName>ppt_y</p:attrName>
-                                        </p:attrNameLst>
-                                      </p:cBhvr>
-                                      <p:tavLst>
-                                        <p:tav tm="0" fmla="#ppt_y-sin(pi*$)/3">
-                                          <p:val>
-                                            <p:fltVal val="0.5"/>
-                                          </p:val>
-                                        </p:tav>
-                                        <p:tav tm="100000">
-                                          <p:val>
-                                            <p:fltVal val="1"/>
-                                          </p:val>
-                                        </p:tav>
-                                      </p:tavLst>
-                                    </p:anim>
-                                    <p:anim calcmode="lin" valueType="num">
-                                      <p:cBhvr>
-                                        <p:cTn id="10" dur="664" tmFilter="0, 0; 0.125,0.2665; 0.25,0.4; 0.375,0.465; 0.5,0.5;  0.625,0.535; 0.75,0.6; 0.875,0.7335; 1,1">
-                                          <p:stCondLst>
-                                            <p:cond delay="664"/>
-                                          </p:stCondLst>
-                                        </p:cTn>
-                                        <p:tgtEl>
-                                          <p:spTgt spid="4"/>
-                                        </p:tgtEl>
-                                        <p:attrNameLst>
-                                          <p:attrName>ppt_y</p:attrName>
-                                        </p:attrNameLst>
-                                      </p:cBhvr>
-                                      <p:tavLst>
-                                        <p:tav tm="0" fmla="#ppt_y-sin(pi*$)/9">
-                                          <p:val>
-                                            <p:fltVal val="0"/>
-                                          </p:val>
-                                        </p:tav>
-                                        <p:tav tm="100000">
-                                          <p:val>
-                                            <p:fltVal val="1"/>
-                                          </p:val>
-                                        </p:tav>
-                                      </p:tavLst>
-                                    </p:anim>
-                                    <p:anim calcmode="lin" valueType="num">
-                                      <p:cBhvr>
-                                        <p:cTn id="11" dur="332" tmFilter="0, 0; 0.125,0.2665; 0.25,0.4; 0.375,0.465; 0.5,0.5;  0.625,0.535; 0.75,0.6; 0.875,0.7335; 1,1">
-                                          <p:stCondLst>
-                                            <p:cond delay="1324"/>
-                                          </p:stCondLst>
-                                        </p:cTn>
-                                        <p:tgtEl>
-                                          <p:spTgt spid="4"/>
-                                        </p:tgtEl>
-                                        <p:attrNameLst>
-                                          <p:attrName>ppt_y</p:attrName>
-                                        </p:attrNameLst>
-                                      </p:cBhvr>
-                                      <p:tavLst>
-                                        <p:tav tm="0" fmla="#ppt_y-sin(pi*$)/27">
-                                          <p:val>
-                                            <p:fltVal val="0"/>
-                                          </p:val>
-                                        </p:tav>
-                                        <p:tav tm="100000">
-                                          <p:val>
-                                            <p:fltVal val="1"/>
-                                          </p:val>
-                                        </p:tav>
-                                      </p:tavLst>
-                                    </p:anim>
-                                    <p:anim calcmode="lin" valueType="num">
-                                      <p:cBhvr>
-                                        <p:cTn id="12" dur="164" tmFilter="0, 0; 0.125,0.2665; 0.25,0.4; 0.375,0.465; 0.5,0.5;  0.625,0.535; 0.75,0.6; 0.875,0.7335; 1,1">
-                                          <p:stCondLst>
-                                            <p:cond delay="1656"/>
-                                          </p:stCondLst>
-                                        </p:cTn>
-                                        <p:tgtEl>
-                                          <p:spTgt spid="4"/>
-                                        </p:tgtEl>
-                                        <p:attrNameLst>
-                                          <p:attrName>ppt_y</p:attrName>
-                                        </p:attrNameLst>
-                                      </p:cBhvr>
-                                      <p:tavLst>
-                                        <p:tav tm="0" fmla="#ppt_y-sin(pi*$)/81">
-                                          <p:val>
-                                            <p:fltVal val="0"/>
-                                          </p:val>
-                                        </p:tav>
-                                        <p:tav tm="100000">
-                                          <p:val>
-                                            <p:fltVal val="1"/>
-                                          </p:val>
-                                        </p:tav>
-                                      </p:tavLst>
-                                    </p:anim>
-                                    <p:animScale>
-                                      <p:cBhvr>
-                                        <p:cTn id="13" dur="26">
-                                          <p:stCondLst>
-                                            <p:cond delay="650"/>
-                                          </p:stCondLst>
-                                        </p:cTn>
-                                        <p:tgtEl>
-                                          <p:spTgt spid="4"/>
-                                        </p:tgtEl>
-                                      </p:cBhvr>
-                                      <p:to x="100000" y="60000"/>
-                                    </p:animScale>
-                                    <p:animScale>
-                                      <p:cBhvr>
-                                        <p:cTn id="14" dur="166" decel="50000">
-                                          <p:stCondLst>
-                                            <p:cond delay="676"/>
-                                          </p:stCondLst>
-                                        </p:cTn>
-                                        <p:tgtEl>
-                                          <p:spTgt spid="4"/>
-                                        </p:tgtEl>
-                                      </p:cBhvr>
-                                      <p:to x="100000" y="100000"/>
-                                    </p:animScale>
-                                    <p:animScale>
-                                      <p:cBhvr>
-                                        <p:cTn id="15" dur="26">
-                                          <p:stCondLst>
-                                            <p:cond delay="1312"/>
-                                          </p:stCondLst>
-                                        </p:cTn>
-                                        <p:tgtEl>
-                                          <p:spTgt spid="4"/>
-                                        </p:tgtEl>
-                                      </p:cBhvr>
-                                      <p:to x="100000" y="80000"/>
-                                    </p:animScale>
-                                    <p:animScale>
-                                      <p:cBhvr>
-                                        <p:cTn id="16" dur="166" decel="50000">
-                                          <p:stCondLst>
-                                            <p:cond delay="1338"/>
-                                          </p:stCondLst>
-                                        </p:cTn>
-                                        <p:tgtEl>
-                                          <p:spTgt spid="4"/>
-                                        </p:tgtEl>
-                                      </p:cBhvr>
-                                      <p:to x="100000" y="100000"/>
-                                    </p:animScale>
-                                    <p:animScale>
-                                      <p:cBhvr>
-                                        <p:cTn id="17" dur="26">
-                                          <p:stCondLst>
-                                            <p:cond delay="1642"/>
-                                          </p:stCondLst>
-                                        </p:cTn>
-                                        <p:tgtEl>
-                                          <p:spTgt spid="4"/>
-                                        </p:tgtEl>
-                                      </p:cBhvr>
-                                      <p:to x="100000" y="90000"/>
-                                    </p:animScale>
-                                    <p:animScale>
-                                      <p:cBhvr>
-                                        <p:cTn id="18" dur="166" decel="50000">
-                                          <p:stCondLst>
-                                            <p:cond delay="1668"/>
-                                          </p:stCondLst>
-                                        </p:cTn>
-                                        <p:tgtEl>
-                                          <p:spTgt spid="4"/>
-                                        </p:tgtEl>
-                                      </p:cBhvr>
-                                      <p:to x="100000" y="100000"/>
-                                    </p:animScale>
-                                    <p:animScale>
-                                      <p:cBhvr>
-                                        <p:cTn id="19" dur="26">
-                                          <p:stCondLst>
-                                            <p:cond delay="1808"/>
-                                          </p:stCondLst>
-                                        </p:cTn>
-                                        <p:tgtEl>
-                                          <p:spTgt spid="4"/>
-                                        </p:tgtEl>
-                                      </p:cBhvr>
-                                      <p:to x="100000" y="95000"/>
-                                    </p:animScale>
-                                    <p:animScale>
-                                      <p:cBhvr>
-                                        <p:cTn id="20" dur="166" decel="50000">
-                                          <p:stCondLst>
-                                            <p:cond delay="1834"/>
-                                          </p:stCondLst>
-                                        </p:cTn>
-                                        <p:tgtEl>
-                                          <p:spTgt spid="4"/>
-                                        </p:tgtEl>
-                                      </p:cBhvr>
-                                      <p:to x="100000" y="100000"/>
-                                    </p:animScale>
-                                  </p:childTnLst>
-                                </p:cTn>
-                              </p:par>
-                            </p:childTnLst>
-                          </p:cTn>
-                        </p:par>
-                      </p:childTnLst>
-                    </p:cTn>
-                  </p:par>
-                </p:childTnLst>
-              </p:cTn>
-              <p:prevCondLst>
-                <p:cond evt="onPrev" delay="0">
-                  <p:tgtEl>
-                    <p:sldTgt/>
-                  </p:tgtEl>
-                </p:cond>
-              </p:prevCondLst>
-              <p:nextCondLst>
-                <p:cond evt="onNext" delay="0">
-                  <p:tgtEl>
-                    <p:sldTgt/>
-                  </p:tgtEl>
-                </p:cond>
-              </p:nextCondLst>
-            </p:seq>
-          </p:childTnLst>
-        </p:cTn>
+        <p:cTn id="1" dur="indefinite" restart="never" nodeType="tmRoot"/>
       </p:par>
     </p:tnLst>
   </p:timing>
@@ -4682,259 +4353,20 @@
   <p:clrMapOvr>
     <a:masterClrMapping/>
   </p:clrMapOvr>
-  <mc:AlternateContent xmlns:mc="http://schemas.openxmlformats.org/markup-compatibility/2006">
-    <mc:Choice xmlns:p14="http://schemas.microsoft.com/office/powerpoint/2010/main" Requires="p14">
+  <mc:AlternateContent xmlns:mc="http://schemas.openxmlformats.org/markup-compatibility/2006" xmlns:p14="http://schemas.microsoft.com/office/powerpoint/2010/main">
+    <mc:Choice Requires="p14">
       <p:transition spd="slow" p14:dur="1500"/>
     </mc:Choice>
-    <mc:Fallback>
+    <mc:Fallback xmlns="">
       <p:transition spd="slow"/>
     </mc:Fallback>
   </mc:AlternateContent>
   <p:timing>
     <p:tnLst>
       <p:par>
-        <p:cTn id="1" dur="indefinite" restart="never" nodeType="tmRoot">
-          <p:childTnLst>
-            <p:seq concurrent="1" nextAc="seek">
-              <p:cTn id="2" dur="indefinite" nodeType="mainSeq">
-                <p:childTnLst>
-                  <p:par>
-                    <p:cTn id="3" fill="hold">
-                      <p:stCondLst>
-                        <p:cond delay="indefinite"/>
-                      </p:stCondLst>
-                      <p:childTnLst>
-                        <p:par>
-                          <p:cTn id="4" fill="hold">
-                            <p:stCondLst>
-                              <p:cond delay="0"/>
-                            </p:stCondLst>
-                            <p:childTnLst>
-                              <p:par>
-                                <p:cTn id="5" presetID="31" presetClass="entr" presetSubtype="0" fill="hold" nodeType="clickEffect">
-                                  <p:stCondLst>
-                                    <p:cond delay="0"/>
-                                  </p:stCondLst>
-                                  <p:childTnLst>
-                                    <p:set>
-                                      <p:cBhvr>
-                                        <p:cTn id="6" dur="1" fill="hold">
-                                          <p:stCondLst>
-                                            <p:cond delay="0"/>
-                                          </p:stCondLst>
-                                        </p:cTn>
-                                        <p:tgtEl>
-                                          <p:spTgt spid="4"/>
-                                        </p:tgtEl>
-                                        <p:attrNameLst>
-                                          <p:attrName>style.visibility</p:attrName>
-                                        </p:attrNameLst>
-                                      </p:cBhvr>
-                                      <p:to>
-                                        <p:strVal val="visible"/>
-                                      </p:to>
-                                    </p:set>
-                                    <p:anim calcmode="lin" valueType="num">
-                                      <p:cBhvr>
-                                        <p:cTn id="7" dur="4000" fill="hold"/>
-                                        <p:tgtEl>
-                                          <p:spTgt spid="4"/>
-                                        </p:tgtEl>
-                                        <p:attrNameLst>
-                                          <p:attrName>ppt_w</p:attrName>
-                                        </p:attrNameLst>
-                                      </p:cBhvr>
-                                      <p:tavLst>
-                                        <p:tav tm="0">
-                                          <p:val>
-                                            <p:fltVal val="0"/>
-                                          </p:val>
-                                        </p:tav>
-                                        <p:tav tm="100000">
-                                          <p:val>
-                                            <p:strVal val="#ppt_w"/>
-                                          </p:val>
-                                        </p:tav>
-                                      </p:tavLst>
-                                    </p:anim>
-                                    <p:anim calcmode="lin" valueType="num">
-                                      <p:cBhvr>
-                                        <p:cTn id="8" dur="4000" fill="hold"/>
-                                        <p:tgtEl>
-                                          <p:spTgt spid="4"/>
-                                        </p:tgtEl>
-                                        <p:attrNameLst>
-                                          <p:attrName>ppt_h</p:attrName>
-                                        </p:attrNameLst>
-                                      </p:cBhvr>
-                                      <p:tavLst>
-                                        <p:tav tm="0">
-                                          <p:val>
-                                            <p:fltVal val="0"/>
-                                          </p:val>
-                                        </p:tav>
-                                        <p:tav tm="100000">
-                                          <p:val>
-                                            <p:strVal val="#ppt_h"/>
-                                          </p:val>
-                                        </p:tav>
-                                      </p:tavLst>
-                                    </p:anim>
-                                    <p:anim calcmode="lin" valueType="num">
-                                      <p:cBhvr>
-                                        <p:cTn id="9" dur="4000" fill="hold"/>
-                                        <p:tgtEl>
-                                          <p:spTgt spid="4"/>
-                                        </p:tgtEl>
-                                        <p:attrNameLst>
-                                          <p:attrName>style.rotation</p:attrName>
-                                        </p:attrNameLst>
-                                      </p:cBhvr>
-                                      <p:tavLst>
-                                        <p:tav tm="0">
-                                          <p:val>
-                                            <p:fltVal val="90"/>
-                                          </p:val>
-                                        </p:tav>
-                                        <p:tav tm="100000">
-                                          <p:val>
-                                            <p:fltVal val="0"/>
-                                          </p:val>
-                                        </p:tav>
-                                      </p:tavLst>
-                                    </p:anim>
-                                    <p:animEffect transition="in" filter="fade">
-                                      <p:cBhvr>
-                                        <p:cTn id="10" dur="4000"/>
-                                        <p:tgtEl>
-                                          <p:spTgt spid="4"/>
-                                        </p:tgtEl>
-                                      </p:cBhvr>
-                                    </p:animEffect>
-                                  </p:childTnLst>
-                                </p:cTn>
-                              </p:par>
-                            </p:childTnLst>
-                          </p:cTn>
-                        </p:par>
-                      </p:childTnLst>
-                    </p:cTn>
-                  </p:par>
-                  <p:par>
-                    <p:cTn id="11" fill="hold">
-                      <p:stCondLst>
-                        <p:cond delay="indefinite"/>
-                      </p:stCondLst>
-                      <p:childTnLst>
-                        <p:par>
-                          <p:cTn id="12" fill="hold">
-                            <p:stCondLst>
-                              <p:cond delay="0"/>
-                            </p:stCondLst>
-                            <p:childTnLst>
-                              <p:par>
-                                <p:cTn id="13" presetID="2" presetClass="entr" presetSubtype="4" fill="hold" grpId="0" nodeType="clickEffect">
-                                  <p:stCondLst>
-                                    <p:cond delay="0"/>
-                                  </p:stCondLst>
-                                  <p:childTnLst>
-                                    <p:set>
-                                      <p:cBhvr>
-                                        <p:cTn id="14" dur="1" fill="hold">
-                                          <p:stCondLst>
-                                            <p:cond delay="0"/>
-                                          </p:stCondLst>
-                                        </p:cTn>
-                                        <p:tgtEl>
-                                          <p:spTgt spid="5"/>
-                                        </p:tgtEl>
-                                        <p:attrNameLst>
-                                          <p:attrName>style.visibility</p:attrName>
-                                        </p:attrNameLst>
-                                      </p:cBhvr>
-                                      <p:to>
-                                        <p:strVal val="visible"/>
-                                      </p:to>
-                                    </p:set>
-                                    <p:anim calcmode="lin" valueType="num">
-                                      <p:cBhvr additive="base">
-                                        <p:cTn id="15" dur="500" fill="hold"/>
-                                        <p:tgtEl>
-                                          <p:spTgt spid="5"/>
-                                        </p:tgtEl>
-                                        <p:attrNameLst>
-                                          <p:attrName>ppt_x</p:attrName>
-                                        </p:attrNameLst>
-                                      </p:cBhvr>
-                                      <p:tavLst>
-                                        <p:tav tm="0">
-                                          <p:val>
-                                            <p:strVal val="#ppt_x"/>
-                                          </p:val>
-                                        </p:tav>
-                                        <p:tav tm="100000">
-                                          <p:val>
-                                            <p:strVal val="#ppt_x"/>
-                                          </p:val>
-                                        </p:tav>
-                                      </p:tavLst>
-                                    </p:anim>
-                                    <p:anim calcmode="lin" valueType="num">
-                                      <p:cBhvr additive="base">
-                                        <p:cTn id="16" dur="500" fill="hold"/>
-                                        <p:tgtEl>
-                                          <p:spTgt spid="5"/>
-                                        </p:tgtEl>
-                                        <p:attrNameLst>
-                                          <p:attrName>ppt_y</p:attrName>
-                                        </p:attrNameLst>
-                                      </p:cBhvr>
-                                      <p:tavLst>
-                                        <p:tav tm="0">
-                                          <p:val>
-                                            <p:strVal val="1+#ppt_h/2"/>
-                                          </p:val>
-                                        </p:tav>
-                                        <p:tav tm="100000">
-                                          <p:val>
-                                            <p:strVal val="#ppt_y"/>
-                                          </p:val>
-                                        </p:tav>
-                                      </p:tavLst>
-                                    </p:anim>
-                                  </p:childTnLst>
-                                </p:cTn>
-                              </p:par>
-                            </p:childTnLst>
-                          </p:cTn>
-                        </p:par>
-                      </p:childTnLst>
-                    </p:cTn>
-                  </p:par>
-                </p:childTnLst>
-              </p:cTn>
-              <p:prevCondLst>
-                <p:cond evt="onPrev" delay="0">
-                  <p:tgtEl>
-                    <p:sldTgt/>
-                  </p:tgtEl>
-                </p:cond>
-              </p:prevCondLst>
-              <p:nextCondLst>
-                <p:cond evt="onNext" delay="0">
-                  <p:tgtEl>
-                    <p:sldTgt/>
-                  </p:tgtEl>
-                </p:cond>
-              </p:nextCondLst>
-            </p:seq>
-          </p:childTnLst>
-        </p:cTn>
+        <p:cTn id="1" dur="indefinite" restart="never" nodeType="tmRoot"/>
       </p:par>
     </p:tnLst>
-    <p:bldLst>
-      <p:bldP spid="5" grpId="0"/>
-    </p:bldLst>
   </p:timing>
 </p:sld>
 </file>
@@ -5119,11 +4551,11 @@
   <p:clrMapOvr>
     <a:masterClrMapping/>
   </p:clrMapOvr>
-  <mc:AlternateContent xmlns:mc="http://schemas.openxmlformats.org/markup-compatibility/2006">
-    <mc:Choice xmlns:p14="http://schemas.microsoft.com/office/powerpoint/2010/main" Requires="p14">
+  <mc:AlternateContent xmlns:mc="http://schemas.openxmlformats.org/markup-compatibility/2006" xmlns:p14="http://schemas.microsoft.com/office/powerpoint/2010/main">
+    <mc:Choice Requires="p14">
       <p:transition spd="slow" p14:dur="2000"/>
     </mc:Choice>
-    <mc:Fallback>
+    <mc:Fallback xmlns="">
       <p:transition spd="slow"/>
     </mc:Fallback>
   </mc:AlternateContent>
@@ -5466,14 +4898,10 @@
   </p:clrMapOvr>
   <mc:AlternateContent xmlns:mc="http://schemas.openxmlformats.org/markup-compatibility/2006">
     <mc:Choice xmlns:p14="http://schemas.microsoft.com/office/powerpoint/2010/main" Requires="p14">
-      <p:transition spd="slow" p14:dur="2000">
-        <p:fade/>
-      </p:transition>
+      <p:transition p14:dur="0"/>
     </mc:Choice>
     <mc:Fallback>
-      <p:transition spd="slow">
-        <p:fade/>
-      </p:transition>
+      <p:transition/>
     </mc:Fallback>
   </mc:AlternateContent>
   <p:timing>

--- a/presentation/SYTYCD.TeamKojak.pptx
+++ b/presentation/SYTYCD.TeamKojak.pptx
@@ -16,7 +16,8 @@
     <p:sldId id="264" r:id="rId10"/>
     <p:sldId id="265" r:id="rId11"/>
     <p:sldId id="266" r:id="rId12"/>
-    <p:sldId id="268" r:id="rId13"/>
+    <p:sldId id="269" r:id="rId13"/>
+    <p:sldId id="268" r:id="rId14"/>
   </p:sldIdLst>
   <p:sldSz cx="9144000" cy="6858000" type="screen4x3"/>
   <p:notesSz cx="6858000" cy="9144000"/>
@@ -3523,6 +3524,512 @@
           <a:p>
             <a:r>
               <a:rPr lang="en-US" dirty="0" smtClean="0"/>
+              <a:t>Jochen’s Office, 11:50am</a:t>
+            </a:r>
+            <a:endParaRPr lang="en-US" dirty="0"/>
+          </a:p>
+        </p:txBody>
+      </p:sp>
+      <p:pic>
+        <p:nvPicPr>
+          <p:cNvPr id="4" name="Picture 3" descr="http://cdn.physorg.com/newman/gfx/news/hires/2013/ceoofgermana.jpg"/>
+          <p:cNvPicPr/>
+          <p:nvPr/>
+        </p:nvPicPr>
+        <p:blipFill>
+          <a:blip r:embed="rId2">
+            <a:extLst>
+              <a:ext uri="{28A0092B-C50C-407E-A947-70E740481C1C}">
+                <a14:useLocalDpi xmlns:a14="http://schemas.microsoft.com/office/drawing/2010/main" val="0"/>
+              </a:ext>
+            </a:extLst>
+          </a:blip>
+          <a:srcRect/>
+          <a:stretch>
+            <a:fillRect/>
+          </a:stretch>
+        </p:blipFill>
+        <p:spPr bwMode="auto">
+          <a:xfrm>
+            <a:off x="323528" y="1412776"/>
+            <a:ext cx="2808312" cy="1944216"/>
+          </a:xfrm>
+          <a:prstGeom prst="rect">
+            <a:avLst/>
+          </a:prstGeom>
+          <a:noFill/>
+          <a:ln>
+            <a:noFill/>
+          </a:ln>
+        </p:spPr>
+      </p:pic>
+      <p:pic>
+        <p:nvPicPr>
+          <p:cNvPr id="5" name="Picture 4" descr="http://us.123rf.com/400wm/400/400/ajcotton/ajcotton1109/ajcotton110900005/10632584-nerd-or-geek-businessman-or-it-professional-super-hero-on-white.jpg"/>
+          <p:cNvPicPr>
+            <a:picLocks noChangeAspect="1"/>
+          </p:cNvPicPr>
+          <p:nvPr/>
+        </p:nvPicPr>
+        <p:blipFill>
+          <a:blip r:embed="rId3" cstate="print">
+            <a:extLst>
+              <a:ext uri="{28A0092B-C50C-407E-A947-70E740481C1C}">
+                <a14:useLocalDpi xmlns:a14="http://schemas.microsoft.com/office/drawing/2010/main" val="0"/>
+              </a:ext>
+            </a:extLst>
+          </a:blip>
+          <a:srcRect/>
+          <a:stretch>
+            <a:fillRect/>
+          </a:stretch>
+        </p:blipFill>
+        <p:spPr bwMode="auto">
+          <a:xfrm>
+            <a:off x="5505430" y="1381065"/>
+            <a:ext cx="2863612" cy="2613046"/>
+          </a:xfrm>
+          <a:prstGeom prst="rect">
+            <a:avLst/>
+          </a:prstGeom>
+          <a:noFill/>
+          <a:ln>
+            <a:noFill/>
+          </a:ln>
+        </p:spPr>
+      </p:pic>
+      <p:pic>
+        <p:nvPicPr>
+          <p:cNvPr id="6" name="Picture 5" descr="http://productdesignhub.com/wp-content/uploads/2011/08/interview.jpeg"/>
+          <p:cNvPicPr/>
+          <p:nvPr/>
+        </p:nvPicPr>
+        <p:blipFill>
+          <a:blip r:embed="rId4">
+            <a:extLst>
+              <a:ext uri="{28A0092B-C50C-407E-A947-70E740481C1C}">
+                <a14:useLocalDpi xmlns:a14="http://schemas.microsoft.com/office/drawing/2010/main" val="0"/>
+              </a:ext>
+            </a:extLst>
+          </a:blip>
+          <a:srcRect/>
+          <a:stretch>
+            <a:fillRect/>
+          </a:stretch>
+        </p:blipFill>
+        <p:spPr bwMode="auto">
+          <a:xfrm>
+            <a:off x="3203847" y="3421326"/>
+            <a:ext cx="2304256" cy="2952328"/>
+          </a:xfrm>
+          <a:prstGeom prst="rect">
+            <a:avLst/>
+          </a:prstGeom>
+          <a:noFill/>
+          <a:ln>
+            <a:noFill/>
+          </a:ln>
+        </p:spPr>
+      </p:pic>
+      <p:pic>
+        <p:nvPicPr>
+          <p:cNvPr id="7" name="Picture 6" descr="http://etc.usf.edu/clipart/33500/33584/clock-11-50_33584_lg.gif"/>
+          <p:cNvPicPr/>
+          <p:nvPr/>
+        </p:nvPicPr>
+        <p:blipFill>
+          <a:blip r:embed="rId5" cstate="print">
+            <a:extLst>
+              <a:ext uri="{28A0092B-C50C-407E-A947-70E740481C1C}">
+                <a14:useLocalDpi xmlns:a14="http://schemas.microsoft.com/office/drawing/2010/main" val="0"/>
+              </a:ext>
+            </a:extLst>
+          </a:blip>
+          <a:srcRect/>
+          <a:stretch>
+            <a:fillRect/>
+          </a:stretch>
+        </p:blipFill>
+        <p:spPr bwMode="auto">
+          <a:xfrm>
+            <a:off x="3579688" y="1412776"/>
+            <a:ext cx="1552575" cy="1552575"/>
+          </a:xfrm>
+          <a:prstGeom prst="rect">
+            <a:avLst/>
+          </a:prstGeom>
+          <a:noFill/>
+          <a:ln>
+            <a:noFill/>
+          </a:ln>
+        </p:spPr>
+      </p:pic>
+    </p:spTree>
+    <p:extLst>
+      <p:ext uri="{BB962C8B-B14F-4D97-AF65-F5344CB8AC3E}">
+        <p14:creationId xmlns:p14="http://schemas.microsoft.com/office/powerpoint/2010/main" val="3521507591"/>
+      </p:ext>
+    </p:extLst>
+  </p:cSld>
+  <p:clrMapOvr>
+    <a:masterClrMapping/>
+  </p:clrMapOvr>
+  <p:timing>
+    <p:tnLst>
+      <p:par>
+        <p:cTn id="1" dur="indefinite" restart="never" nodeType="tmRoot">
+          <p:childTnLst>
+            <p:seq concurrent="1" nextAc="seek">
+              <p:cTn id="2" dur="indefinite" nodeType="mainSeq">
+                <p:childTnLst>
+                  <p:par>
+                    <p:cTn id="3" fill="hold">
+                      <p:stCondLst>
+                        <p:cond delay="indefinite"/>
+                        <p:cond evt="onBegin" delay="0">
+                          <p:tn val="2"/>
+                        </p:cond>
+                      </p:stCondLst>
+                      <p:childTnLst>
+                        <p:par>
+                          <p:cTn id="4" fill="hold">
+                            <p:stCondLst>
+                              <p:cond delay="0"/>
+                            </p:stCondLst>
+                            <p:childTnLst>
+                              <p:par>
+                                <p:cTn id="5" presetID="2" presetClass="entr" presetSubtype="4" fill="hold" nodeType="afterEffect">
+                                  <p:stCondLst>
+                                    <p:cond delay="0"/>
+                                  </p:stCondLst>
+                                  <p:childTnLst>
+                                    <p:set>
+                                      <p:cBhvr>
+                                        <p:cTn id="6" dur="1" fill="hold">
+                                          <p:stCondLst>
+                                            <p:cond delay="0"/>
+                                          </p:stCondLst>
+                                        </p:cTn>
+                                        <p:tgtEl>
+                                          <p:spTgt spid="4"/>
+                                        </p:tgtEl>
+                                        <p:attrNameLst>
+                                          <p:attrName>style.visibility</p:attrName>
+                                        </p:attrNameLst>
+                                      </p:cBhvr>
+                                      <p:to>
+                                        <p:strVal val="visible"/>
+                                      </p:to>
+                                    </p:set>
+                                    <p:anim calcmode="lin" valueType="num">
+                                      <p:cBhvr additive="base">
+                                        <p:cTn id="7" dur="250" fill="hold"/>
+                                        <p:tgtEl>
+                                          <p:spTgt spid="4"/>
+                                        </p:tgtEl>
+                                        <p:attrNameLst>
+                                          <p:attrName>ppt_x</p:attrName>
+                                        </p:attrNameLst>
+                                      </p:cBhvr>
+                                      <p:tavLst>
+                                        <p:tav tm="0">
+                                          <p:val>
+                                            <p:strVal val="#ppt_x"/>
+                                          </p:val>
+                                        </p:tav>
+                                        <p:tav tm="100000">
+                                          <p:val>
+                                            <p:strVal val="#ppt_x"/>
+                                          </p:val>
+                                        </p:tav>
+                                      </p:tavLst>
+                                    </p:anim>
+                                    <p:anim calcmode="lin" valueType="num">
+                                      <p:cBhvr additive="base">
+                                        <p:cTn id="8" dur="250" fill="hold"/>
+                                        <p:tgtEl>
+                                          <p:spTgt spid="4"/>
+                                        </p:tgtEl>
+                                        <p:attrNameLst>
+                                          <p:attrName>ppt_y</p:attrName>
+                                        </p:attrNameLst>
+                                      </p:cBhvr>
+                                      <p:tavLst>
+                                        <p:tav tm="0">
+                                          <p:val>
+                                            <p:strVal val="1+#ppt_h/2"/>
+                                          </p:val>
+                                        </p:tav>
+                                        <p:tav tm="100000">
+                                          <p:val>
+                                            <p:strVal val="#ppt_y"/>
+                                          </p:val>
+                                        </p:tav>
+                                      </p:tavLst>
+                                    </p:anim>
+                                  </p:childTnLst>
+                                </p:cTn>
+                              </p:par>
+                            </p:childTnLst>
+                          </p:cTn>
+                        </p:par>
+                        <p:par>
+                          <p:cTn id="9" fill="hold">
+                            <p:stCondLst>
+                              <p:cond delay="250"/>
+                            </p:stCondLst>
+                            <p:childTnLst>
+                              <p:par>
+                                <p:cTn id="10" presetID="2" presetClass="entr" presetSubtype="4" fill="hold" nodeType="afterEffect">
+                                  <p:stCondLst>
+                                    <p:cond delay="0"/>
+                                  </p:stCondLst>
+                                  <p:childTnLst>
+                                    <p:set>
+                                      <p:cBhvr>
+                                        <p:cTn id="11" dur="1" fill="hold">
+                                          <p:stCondLst>
+                                            <p:cond delay="0"/>
+                                          </p:stCondLst>
+                                        </p:cTn>
+                                        <p:tgtEl>
+                                          <p:spTgt spid="6"/>
+                                        </p:tgtEl>
+                                        <p:attrNameLst>
+                                          <p:attrName>style.visibility</p:attrName>
+                                        </p:attrNameLst>
+                                      </p:cBhvr>
+                                      <p:to>
+                                        <p:strVal val="visible"/>
+                                      </p:to>
+                                    </p:set>
+                                    <p:anim calcmode="lin" valueType="num">
+                                      <p:cBhvr additive="base">
+                                        <p:cTn id="12" dur="250" fill="hold"/>
+                                        <p:tgtEl>
+                                          <p:spTgt spid="6"/>
+                                        </p:tgtEl>
+                                        <p:attrNameLst>
+                                          <p:attrName>ppt_x</p:attrName>
+                                        </p:attrNameLst>
+                                      </p:cBhvr>
+                                      <p:tavLst>
+                                        <p:tav tm="0">
+                                          <p:val>
+                                            <p:strVal val="#ppt_x"/>
+                                          </p:val>
+                                        </p:tav>
+                                        <p:tav tm="100000">
+                                          <p:val>
+                                            <p:strVal val="#ppt_x"/>
+                                          </p:val>
+                                        </p:tav>
+                                      </p:tavLst>
+                                    </p:anim>
+                                    <p:anim calcmode="lin" valueType="num">
+                                      <p:cBhvr additive="base">
+                                        <p:cTn id="13" dur="250" fill="hold"/>
+                                        <p:tgtEl>
+                                          <p:spTgt spid="6"/>
+                                        </p:tgtEl>
+                                        <p:attrNameLst>
+                                          <p:attrName>ppt_y</p:attrName>
+                                        </p:attrNameLst>
+                                      </p:cBhvr>
+                                      <p:tavLst>
+                                        <p:tav tm="0">
+                                          <p:val>
+                                            <p:strVal val="1+#ppt_h/2"/>
+                                          </p:val>
+                                        </p:tav>
+                                        <p:tav tm="100000">
+                                          <p:val>
+                                            <p:strVal val="#ppt_y"/>
+                                          </p:val>
+                                        </p:tav>
+                                      </p:tavLst>
+                                    </p:anim>
+                                  </p:childTnLst>
+                                </p:cTn>
+                              </p:par>
+                            </p:childTnLst>
+                          </p:cTn>
+                        </p:par>
+                        <p:par>
+                          <p:cTn id="14" fill="hold">
+                            <p:stCondLst>
+                              <p:cond delay="500"/>
+                            </p:stCondLst>
+                            <p:childTnLst>
+                              <p:par>
+                                <p:cTn id="15" presetID="31" presetClass="entr" presetSubtype="0" fill="hold" nodeType="afterEffect">
+                                  <p:stCondLst>
+                                    <p:cond delay="0"/>
+                                  </p:stCondLst>
+                                  <p:childTnLst>
+                                    <p:set>
+                                      <p:cBhvr>
+                                        <p:cTn id="16" dur="1" fill="hold">
+                                          <p:stCondLst>
+                                            <p:cond delay="0"/>
+                                          </p:stCondLst>
+                                        </p:cTn>
+                                        <p:tgtEl>
+                                          <p:spTgt spid="5"/>
+                                        </p:tgtEl>
+                                        <p:attrNameLst>
+                                          <p:attrName>style.visibility</p:attrName>
+                                        </p:attrNameLst>
+                                      </p:cBhvr>
+                                      <p:to>
+                                        <p:strVal val="visible"/>
+                                      </p:to>
+                                    </p:set>
+                                    <p:anim calcmode="lin" valueType="num">
+                                      <p:cBhvr>
+                                        <p:cTn id="17" dur="250" fill="hold"/>
+                                        <p:tgtEl>
+                                          <p:spTgt spid="5"/>
+                                        </p:tgtEl>
+                                        <p:attrNameLst>
+                                          <p:attrName>ppt_w</p:attrName>
+                                        </p:attrNameLst>
+                                      </p:cBhvr>
+                                      <p:tavLst>
+                                        <p:tav tm="0">
+                                          <p:val>
+                                            <p:fltVal val="0"/>
+                                          </p:val>
+                                        </p:tav>
+                                        <p:tav tm="100000">
+                                          <p:val>
+                                            <p:strVal val="#ppt_w"/>
+                                          </p:val>
+                                        </p:tav>
+                                      </p:tavLst>
+                                    </p:anim>
+                                    <p:anim calcmode="lin" valueType="num">
+                                      <p:cBhvr>
+                                        <p:cTn id="18" dur="250" fill="hold"/>
+                                        <p:tgtEl>
+                                          <p:spTgt spid="5"/>
+                                        </p:tgtEl>
+                                        <p:attrNameLst>
+                                          <p:attrName>ppt_h</p:attrName>
+                                        </p:attrNameLst>
+                                      </p:cBhvr>
+                                      <p:tavLst>
+                                        <p:tav tm="0">
+                                          <p:val>
+                                            <p:fltVal val="0"/>
+                                          </p:val>
+                                        </p:tav>
+                                        <p:tav tm="100000">
+                                          <p:val>
+                                            <p:strVal val="#ppt_h"/>
+                                          </p:val>
+                                        </p:tav>
+                                      </p:tavLst>
+                                    </p:anim>
+                                    <p:anim calcmode="lin" valueType="num">
+                                      <p:cBhvr>
+                                        <p:cTn id="19" dur="250" fill="hold"/>
+                                        <p:tgtEl>
+                                          <p:spTgt spid="5"/>
+                                        </p:tgtEl>
+                                        <p:attrNameLst>
+                                          <p:attrName>style.rotation</p:attrName>
+                                        </p:attrNameLst>
+                                      </p:cBhvr>
+                                      <p:tavLst>
+                                        <p:tav tm="0">
+                                          <p:val>
+                                            <p:fltVal val="90"/>
+                                          </p:val>
+                                        </p:tav>
+                                        <p:tav tm="100000">
+                                          <p:val>
+                                            <p:fltVal val="0"/>
+                                          </p:val>
+                                        </p:tav>
+                                      </p:tavLst>
+                                    </p:anim>
+                                    <p:animEffect transition="in" filter="fade">
+                                      <p:cBhvr>
+                                        <p:cTn id="20" dur="250"/>
+                                        <p:tgtEl>
+                                          <p:spTgt spid="5"/>
+                                        </p:tgtEl>
+                                      </p:cBhvr>
+                                    </p:animEffect>
+                                  </p:childTnLst>
+                                </p:cTn>
+                              </p:par>
+                            </p:childTnLst>
+                          </p:cTn>
+                        </p:par>
+                      </p:childTnLst>
+                    </p:cTn>
+                  </p:par>
+                </p:childTnLst>
+              </p:cTn>
+              <p:prevCondLst>
+                <p:cond evt="onPrev" delay="0">
+                  <p:tgtEl>
+                    <p:sldTgt/>
+                  </p:tgtEl>
+                </p:cond>
+              </p:prevCondLst>
+              <p:nextCondLst>
+                <p:cond evt="onNext" delay="0">
+                  <p:tgtEl>
+                    <p:sldTgt/>
+                  </p:tgtEl>
+                </p:cond>
+              </p:nextCondLst>
+            </p:seq>
+          </p:childTnLst>
+        </p:cTn>
+      </p:par>
+    </p:tnLst>
+  </p:timing>
+</p:sld>
+</file>
+
+<file path=ppt/slides/slide13.xml><?xml version="1.0" encoding="utf-8"?>
+<p:sld xmlns:a="http://schemas.openxmlformats.org/drawingml/2006/main" xmlns:r="http://schemas.openxmlformats.org/officeDocument/2006/relationships" xmlns:p="http://schemas.openxmlformats.org/presentationml/2006/main">
+  <p:cSld>
+    <p:spTree>
+      <p:nvGrpSpPr>
+        <p:cNvPr id="1" name=""/>
+        <p:cNvGrpSpPr/>
+        <p:nvPr/>
+      </p:nvGrpSpPr>
+      <p:grpSpPr>
+        <a:xfrm>
+          <a:off x="0" y="0"/>
+          <a:ext cx="0" cy="0"/>
+          <a:chOff x="0" y="0"/>
+          <a:chExt cx="0" cy="0"/>
+        </a:xfrm>
+      </p:grpSpPr>
+      <p:sp>
+        <p:nvSpPr>
+          <p:cNvPr id="2" name="Title 1"/>
+          <p:cNvSpPr>
+            <a:spLocks noGrp="1"/>
+          </p:cNvSpPr>
+          <p:nvPr>
+            <p:ph type="title"/>
+          </p:nvPr>
+        </p:nvSpPr>
+        <p:spPr/>
+        <p:txBody>
+          <a:bodyPr/>
+          <a:lstStyle/>
+          <a:p>
+            <a:r>
+              <a:rPr lang="en-US" dirty="0" smtClean="0"/>
               <a:t>Credits</a:t>
             </a:r>
             <a:endParaRPr lang="en-US" dirty="0"/>
@@ -3618,11 +4125,11 @@
   <p:clrMapOvr>
     <a:masterClrMapping/>
   </p:clrMapOvr>
-  <mc:AlternateContent xmlns:mc="http://schemas.openxmlformats.org/markup-compatibility/2006">
-    <mc:Choice xmlns:p14="http://schemas.microsoft.com/office/powerpoint/2010/main" Requires="p14">
+  <mc:AlternateContent xmlns:mc="http://schemas.openxmlformats.org/markup-compatibility/2006" xmlns:p14="http://schemas.microsoft.com/office/powerpoint/2010/main">
+    <mc:Choice Requires="p14">
       <p:transition p14:dur="0"/>
     </mc:Choice>
-    <mc:Fallback>
+    <mc:Fallback xmlns="">
       <p:transition/>
     </mc:Fallback>
   </mc:AlternateContent>
@@ -3675,15 +4182,15 @@
           <a:p>
             <a:r>
               <a:rPr lang="en-US" dirty="0" smtClean="0"/>
-              <a:t>Team </a:t>
+              <a:t>Team Kojak</a:t>
+            </a:r>
+            <a:r>
+              <a:rPr lang="en-US" sz="3600" dirty="0" smtClean="0"/>
+              <a:t>*</a:t>
             </a:r>
             <a:r>
               <a:rPr lang="en-US" dirty="0" smtClean="0"/>
-              <a:t>Kojak* </a:t>
-            </a:r>
-            <a:r>
-              <a:rPr lang="en-US" dirty="0" smtClean="0"/>
-              <a:t>Presents</a:t>
+              <a:t> Presents</a:t>
             </a:r>
             <a:endParaRPr lang="en-US" dirty="0"/>
           </a:p>
@@ -3775,11 +4282,11 @@
   <p:clrMapOvr>
     <a:masterClrMapping/>
   </p:clrMapOvr>
-  <mc:AlternateContent xmlns:mc="http://schemas.openxmlformats.org/markup-compatibility/2006">
-    <mc:Choice xmlns:p14="http://schemas.microsoft.com/office/powerpoint/2010/main" Requires="p14">
+  <mc:AlternateContent xmlns:mc="http://schemas.openxmlformats.org/markup-compatibility/2006" xmlns:p14="http://schemas.microsoft.com/office/powerpoint/2010/main">
+    <mc:Choice Requires="p14">
       <p:transition p14:dur="0"/>
     </mc:Choice>
-    <mc:Fallback>
+    <mc:Fallback xmlns="">
       <p:transition/>
     </mc:Fallback>
   </mc:AlternateContent>
@@ -3935,20 +4442,140 @@
   <p:clrMapOvr>
     <a:masterClrMapping/>
   </p:clrMapOvr>
-  <mc:AlternateContent xmlns:mc="http://schemas.openxmlformats.org/markup-compatibility/2006">
-    <mc:Choice xmlns:p14="http://schemas.microsoft.com/office/powerpoint/2010/main" Requires="p14">
+  <mc:AlternateContent xmlns:mc="http://schemas.openxmlformats.org/markup-compatibility/2006" xmlns:p14="http://schemas.microsoft.com/office/powerpoint/2010/main">
+    <mc:Choice Requires="p14">
       <p:transition p14:dur="0"/>
     </mc:Choice>
-    <mc:Fallback>
+    <mc:Fallback xmlns="">
       <p:transition/>
     </mc:Fallback>
   </mc:AlternateContent>
   <p:timing>
     <p:tnLst>
       <p:par>
-        <p:cTn id="1" dur="indefinite" restart="never" nodeType="tmRoot"/>
+        <p:cTn id="1" dur="indefinite" restart="never" nodeType="tmRoot">
+          <p:childTnLst>
+            <p:seq concurrent="1" nextAc="seek">
+              <p:cTn id="2" dur="indefinite" nodeType="mainSeq">
+                <p:childTnLst>
+                  <p:par>
+                    <p:cTn id="3" fill="hold">
+                      <p:stCondLst>
+                        <p:cond delay="indefinite"/>
+                        <p:cond evt="onBegin" delay="0">
+                          <p:tn val="2"/>
+                        </p:cond>
+                      </p:stCondLst>
+                      <p:childTnLst>
+                        <p:par>
+                          <p:cTn id="4" fill="hold">
+                            <p:stCondLst>
+                              <p:cond delay="0"/>
+                            </p:stCondLst>
+                            <p:childTnLst>
+                              <p:par>
+                                <p:cTn id="5" presetID="2" presetClass="entr" presetSubtype="4" fill="hold" grpId="0" nodeType="afterEffect">
+                                  <p:stCondLst>
+                                    <p:cond delay="0"/>
+                                  </p:stCondLst>
+                                  <p:childTnLst>
+                                    <p:set>
+                                      <p:cBhvr>
+                                        <p:cTn id="6" dur="1" fill="hold">
+                                          <p:stCondLst>
+                                            <p:cond delay="0"/>
+                                          </p:stCondLst>
+                                        </p:cTn>
+                                        <p:tgtEl>
+                                          <p:spTgt spid="5"/>
+                                        </p:tgtEl>
+                                        <p:attrNameLst>
+                                          <p:attrName>style.visibility</p:attrName>
+                                        </p:attrNameLst>
+                                      </p:cBhvr>
+                                      <p:to>
+                                        <p:strVal val="visible"/>
+                                      </p:to>
+                                    </p:set>
+                                    <p:anim calcmode="lin" valueType="num">
+                                      <p:cBhvr additive="base">
+                                        <p:cTn id="7" dur="250" fill="hold"/>
+                                        <p:tgtEl>
+                                          <p:spTgt spid="5"/>
+                                        </p:tgtEl>
+                                        <p:attrNameLst>
+                                          <p:attrName>ppt_x</p:attrName>
+                                        </p:attrNameLst>
+                                      </p:cBhvr>
+                                      <p:tavLst>
+                                        <p:tav tm="0">
+                                          <p:val>
+                                            <p:strVal val="#ppt_x"/>
+                                          </p:val>
+                                        </p:tav>
+                                        <p:tav tm="100000">
+                                          <p:val>
+                                            <p:strVal val="#ppt_x"/>
+                                          </p:val>
+                                        </p:tav>
+                                      </p:tavLst>
+                                    </p:anim>
+                                    <p:anim calcmode="lin" valueType="num">
+                                      <p:cBhvr additive="base">
+                                        <p:cTn id="8" dur="250" fill="hold"/>
+                                        <p:tgtEl>
+                                          <p:spTgt spid="5"/>
+                                        </p:tgtEl>
+                                        <p:attrNameLst>
+                                          <p:attrName>ppt_y</p:attrName>
+                                        </p:attrNameLst>
+                                      </p:cBhvr>
+                                      <p:tavLst>
+                                        <p:tav tm="0">
+                                          <p:val>
+                                            <p:strVal val="1+#ppt_h/2"/>
+                                          </p:val>
+                                        </p:tav>
+                                        <p:tav tm="100000">
+                                          <p:val>
+                                            <p:strVal val="#ppt_y"/>
+                                          </p:val>
+                                        </p:tav>
+                                      </p:tavLst>
+                                    </p:anim>
+                                  </p:childTnLst>
+                                </p:cTn>
+                              </p:par>
+                            </p:childTnLst>
+                          </p:cTn>
+                        </p:par>
+                      </p:childTnLst>
+                    </p:cTn>
+                  </p:par>
+                </p:childTnLst>
+              </p:cTn>
+              <p:prevCondLst>
+                <p:cond evt="onPrev" delay="0">
+                  <p:tgtEl>
+                    <p:sldTgt/>
+                  </p:tgtEl>
+                </p:cond>
+              </p:prevCondLst>
+              <p:nextCondLst>
+                <p:cond evt="onNext" delay="0">
+                  <p:tgtEl>
+                    <p:sldTgt/>
+                  </p:tgtEl>
+                </p:cond>
+              </p:nextCondLst>
+            </p:seq>
+          </p:childTnLst>
+        </p:cTn>
       </p:par>
     </p:tnLst>
+    <p:bldLst>
+      <p:bldP spid="5" grpId="0"/>
+    </p:bldLst>
   </p:timing>
 </p:sld>
 </file>
@@ -4123,7 +4750,124 @@
   <p:timing>
     <p:tnLst>
       <p:par>
-        <p:cTn id="1" dur="indefinite" restart="never" nodeType="tmRoot"/>
+        <p:cTn id="1" dur="indefinite" restart="never" nodeType="tmRoot">
+          <p:childTnLst>
+            <p:seq concurrent="1" nextAc="seek">
+              <p:cTn id="2" dur="indefinite" nodeType="mainSeq">
+                <p:childTnLst>
+                  <p:par>
+                    <p:cTn id="3" fill="hold">
+                      <p:stCondLst>
+                        <p:cond delay="indefinite"/>
+                        <p:cond evt="onBegin" delay="0">
+                          <p:tn val="2"/>
+                        </p:cond>
+                      </p:stCondLst>
+                      <p:childTnLst>
+                        <p:par>
+                          <p:cTn id="4" fill="hold">
+                            <p:stCondLst>
+                              <p:cond delay="0"/>
+                            </p:stCondLst>
+                            <p:childTnLst>
+                              <p:par>
+                                <p:cTn id="5" presetID="2" presetClass="entr" presetSubtype="4" fill="hold" nodeType="afterEffect">
+                                  <p:stCondLst>
+                                    <p:cond delay="0"/>
+                                  </p:stCondLst>
+                                  <p:childTnLst>
+                                    <p:set>
+                                      <p:cBhvr>
+                                        <p:cTn id="6" dur="1" fill="hold">
+                                          <p:stCondLst>
+                                            <p:cond delay="0"/>
+                                          </p:stCondLst>
+                                        </p:cTn>
+                                        <p:tgtEl>
+                                          <p:spTgt spid="4"/>
+                                        </p:tgtEl>
+                                        <p:attrNameLst>
+                                          <p:attrName>style.visibility</p:attrName>
+                                        </p:attrNameLst>
+                                      </p:cBhvr>
+                                      <p:to>
+                                        <p:strVal val="visible"/>
+                                      </p:to>
+                                    </p:set>
+                                    <p:anim calcmode="lin" valueType="num">
+                                      <p:cBhvr additive="base">
+                                        <p:cTn id="7" dur="250" fill="hold"/>
+                                        <p:tgtEl>
+                                          <p:spTgt spid="4"/>
+                                        </p:tgtEl>
+                                        <p:attrNameLst>
+                                          <p:attrName>ppt_x</p:attrName>
+                                        </p:attrNameLst>
+                                      </p:cBhvr>
+                                      <p:tavLst>
+                                        <p:tav tm="0">
+                                          <p:val>
+                                            <p:strVal val="#ppt_x"/>
+                                          </p:val>
+                                        </p:tav>
+                                        <p:tav tm="100000">
+                                          <p:val>
+                                            <p:strVal val="#ppt_x"/>
+                                          </p:val>
+                                        </p:tav>
+                                      </p:tavLst>
+                                    </p:anim>
+                                    <p:anim calcmode="lin" valueType="num">
+                                      <p:cBhvr additive="base">
+                                        <p:cTn id="8" dur="250" fill="hold"/>
+                                        <p:tgtEl>
+                                          <p:spTgt spid="4"/>
+                                        </p:tgtEl>
+                                        <p:attrNameLst>
+                                          <p:attrName>ppt_y</p:attrName>
+                                        </p:attrNameLst>
+                                      </p:cBhvr>
+                                      <p:tavLst>
+                                        <p:tav tm="0">
+                                          <p:val>
+                                            <p:strVal val="1+#ppt_h/2"/>
+                                          </p:val>
+                                        </p:tav>
+                                        <p:tav tm="100000">
+                                          <p:val>
+                                            <p:strVal val="#ppt_y"/>
+                                          </p:val>
+                                        </p:tav>
+                                      </p:tavLst>
+                                    </p:anim>
+                                  </p:childTnLst>
+                                </p:cTn>
+                              </p:par>
+                            </p:childTnLst>
+                          </p:cTn>
+                        </p:par>
+                      </p:childTnLst>
+                    </p:cTn>
+                  </p:par>
+                </p:childTnLst>
+              </p:cTn>
+              <p:prevCondLst>
+                <p:cond evt="onPrev" delay="0">
+                  <p:tgtEl>
+                    <p:sldTgt/>
+                  </p:tgtEl>
+                </p:cond>
+              </p:prevCondLst>
+              <p:nextCondLst>
+                <p:cond evt="onNext" delay="0">
+                  <p:tgtEl>
+                    <p:sldTgt/>
+                  </p:tgtEl>
+                </p:cond>
+              </p:nextCondLst>
+            </p:seq>
+          </p:childTnLst>
+        </p:cTn>
       </p:par>
     </p:tnLst>
   </p:timing>
@@ -4227,7 +4971,124 @@
   <p:timing>
     <p:tnLst>
       <p:par>
-        <p:cTn id="1" dur="indefinite" restart="never" nodeType="tmRoot"/>
+        <p:cTn id="1" dur="indefinite" restart="never" nodeType="tmRoot">
+          <p:childTnLst>
+            <p:seq concurrent="1" nextAc="seek">
+              <p:cTn id="2" dur="indefinite" nodeType="mainSeq">
+                <p:childTnLst>
+                  <p:par>
+                    <p:cTn id="3" fill="hold">
+                      <p:stCondLst>
+                        <p:cond delay="indefinite"/>
+                        <p:cond evt="onBegin" delay="0">
+                          <p:tn val="2"/>
+                        </p:cond>
+                      </p:stCondLst>
+                      <p:childTnLst>
+                        <p:par>
+                          <p:cTn id="4" fill="hold">
+                            <p:stCondLst>
+                              <p:cond delay="0"/>
+                            </p:stCondLst>
+                            <p:childTnLst>
+                              <p:par>
+                                <p:cTn id="5" presetID="2" presetClass="entr" presetSubtype="4" fill="hold" nodeType="afterEffect">
+                                  <p:stCondLst>
+                                    <p:cond delay="0"/>
+                                  </p:stCondLst>
+                                  <p:childTnLst>
+                                    <p:set>
+                                      <p:cBhvr>
+                                        <p:cTn id="6" dur="1" fill="hold">
+                                          <p:stCondLst>
+                                            <p:cond delay="0"/>
+                                          </p:stCondLst>
+                                        </p:cTn>
+                                        <p:tgtEl>
+                                          <p:spTgt spid="4"/>
+                                        </p:tgtEl>
+                                        <p:attrNameLst>
+                                          <p:attrName>style.visibility</p:attrName>
+                                        </p:attrNameLst>
+                                      </p:cBhvr>
+                                      <p:to>
+                                        <p:strVal val="visible"/>
+                                      </p:to>
+                                    </p:set>
+                                    <p:anim calcmode="lin" valueType="num">
+                                      <p:cBhvr additive="base">
+                                        <p:cTn id="7" dur="250" fill="hold"/>
+                                        <p:tgtEl>
+                                          <p:spTgt spid="4"/>
+                                        </p:tgtEl>
+                                        <p:attrNameLst>
+                                          <p:attrName>ppt_x</p:attrName>
+                                        </p:attrNameLst>
+                                      </p:cBhvr>
+                                      <p:tavLst>
+                                        <p:tav tm="0">
+                                          <p:val>
+                                            <p:strVal val="#ppt_x"/>
+                                          </p:val>
+                                        </p:tav>
+                                        <p:tav tm="100000">
+                                          <p:val>
+                                            <p:strVal val="#ppt_x"/>
+                                          </p:val>
+                                        </p:tav>
+                                      </p:tavLst>
+                                    </p:anim>
+                                    <p:anim calcmode="lin" valueType="num">
+                                      <p:cBhvr additive="base">
+                                        <p:cTn id="8" dur="250" fill="hold"/>
+                                        <p:tgtEl>
+                                          <p:spTgt spid="4"/>
+                                        </p:tgtEl>
+                                        <p:attrNameLst>
+                                          <p:attrName>ppt_y</p:attrName>
+                                        </p:attrNameLst>
+                                      </p:cBhvr>
+                                      <p:tavLst>
+                                        <p:tav tm="0">
+                                          <p:val>
+                                            <p:strVal val="1+#ppt_h/2"/>
+                                          </p:val>
+                                        </p:tav>
+                                        <p:tav tm="100000">
+                                          <p:val>
+                                            <p:strVal val="#ppt_y"/>
+                                          </p:val>
+                                        </p:tav>
+                                      </p:tavLst>
+                                    </p:anim>
+                                  </p:childTnLst>
+                                </p:cTn>
+                              </p:par>
+                            </p:childTnLst>
+                          </p:cTn>
+                        </p:par>
+                      </p:childTnLst>
+                    </p:cTn>
+                  </p:par>
+                </p:childTnLst>
+              </p:cTn>
+              <p:prevCondLst>
+                <p:cond evt="onPrev" delay="0">
+                  <p:tgtEl>
+                    <p:sldTgt/>
+                  </p:tgtEl>
+                </p:cond>
+              </p:prevCondLst>
+              <p:nextCondLst>
+                <p:cond evt="onNext" delay="0">
+                  <p:tgtEl>
+                    <p:sldTgt/>
+                  </p:tgtEl>
+                </p:cond>
+              </p:nextCondLst>
+            </p:seq>
+          </p:childTnLst>
+        </p:cTn>
       </p:par>
     </p:tnLst>
   </p:timing>
@@ -4364,7 +5225,155 @@
   <p:timing>
     <p:tnLst>
       <p:par>
-        <p:cTn id="1" dur="indefinite" restart="never" nodeType="tmRoot"/>
+        <p:cTn id="1" dur="indefinite" restart="never" nodeType="tmRoot">
+          <p:childTnLst>
+            <p:seq concurrent="1" nextAc="seek">
+              <p:cTn id="2" dur="indefinite" nodeType="mainSeq">
+                <p:childTnLst>
+                  <p:par>
+                    <p:cTn id="3" fill="hold">
+                      <p:stCondLst>
+                        <p:cond delay="indefinite"/>
+                        <p:cond evt="onBegin" delay="0">
+                          <p:tn val="2"/>
+                        </p:cond>
+                      </p:stCondLst>
+                      <p:childTnLst>
+                        <p:par>
+                          <p:cTn id="4" fill="hold">
+                            <p:stCondLst>
+                              <p:cond delay="0"/>
+                            </p:stCondLst>
+                            <p:childTnLst>
+                              <p:par>
+                                <p:cTn id="5" presetID="31" presetClass="entr" presetSubtype="0" fill="hold" nodeType="afterEffect">
+                                  <p:stCondLst>
+                                    <p:cond delay="0"/>
+                                  </p:stCondLst>
+                                  <p:childTnLst>
+                                    <p:set>
+                                      <p:cBhvr>
+                                        <p:cTn id="6" dur="1" fill="hold">
+                                          <p:stCondLst>
+                                            <p:cond delay="0"/>
+                                          </p:stCondLst>
+                                        </p:cTn>
+                                        <p:tgtEl>
+                                          <p:spTgt spid="4"/>
+                                        </p:tgtEl>
+                                        <p:attrNameLst>
+                                          <p:attrName>style.visibility</p:attrName>
+                                        </p:attrNameLst>
+                                      </p:cBhvr>
+                                      <p:to>
+                                        <p:strVal val="visible"/>
+                                      </p:to>
+                                    </p:set>
+                                    <p:anim calcmode="lin" valueType="num">
+                                      <p:cBhvr>
+                                        <p:cTn id="7" dur="500" fill="hold"/>
+                                        <p:tgtEl>
+                                          <p:spTgt spid="4"/>
+                                        </p:tgtEl>
+                                        <p:attrNameLst>
+                                          <p:attrName>ppt_w</p:attrName>
+                                        </p:attrNameLst>
+                                      </p:cBhvr>
+                                      <p:tavLst>
+                                        <p:tav tm="0">
+                                          <p:val>
+                                            <p:fltVal val="0"/>
+                                          </p:val>
+                                        </p:tav>
+                                        <p:tav tm="100000">
+                                          <p:val>
+                                            <p:strVal val="#ppt_w"/>
+                                          </p:val>
+                                        </p:tav>
+                                      </p:tavLst>
+                                    </p:anim>
+                                    <p:anim calcmode="lin" valueType="num">
+                                      <p:cBhvr>
+                                        <p:cTn id="8" dur="500" fill="hold"/>
+                                        <p:tgtEl>
+                                          <p:spTgt spid="4"/>
+                                        </p:tgtEl>
+                                        <p:attrNameLst>
+                                          <p:attrName>ppt_h</p:attrName>
+                                        </p:attrNameLst>
+                                      </p:cBhvr>
+                                      <p:tavLst>
+                                        <p:tav tm="0">
+                                          <p:val>
+                                            <p:fltVal val="0"/>
+                                          </p:val>
+                                        </p:tav>
+                                        <p:tav tm="100000">
+                                          <p:val>
+                                            <p:strVal val="#ppt_h"/>
+                                          </p:val>
+                                        </p:tav>
+                                      </p:tavLst>
+                                    </p:anim>
+                                    <p:anim calcmode="lin" valueType="num">
+                                      <p:cBhvr>
+                                        <p:cTn id="9" dur="500" fill="hold"/>
+                                        <p:tgtEl>
+                                          <p:spTgt spid="4"/>
+                                        </p:tgtEl>
+                                        <p:attrNameLst>
+                                          <p:attrName>style.rotation</p:attrName>
+                                        </p:attrNameLst>
+                                      </p:cBhvr>
+                                      <p:tavLst>
+                                        <p:tav tm="0">
+                                          <p:val>
+                                            <p:fltVal val="90"/>
+                                          </p:val>
+                                        </p:tav>
+                                        <p:tav tm="100000">
+                                          <p:val>
+                                            <p:fltVal val="0"/>
+                                          </p:val>
+                                        </p:tav>
+                                      </p:tavLst>
+                                    </p:anim>
+                                    <p:animEffect transition="in" filter="fade">
+                                      <p:cBhvr>
+                                        <p:cTn id="10" dur="500"/>
+                                        <p:tgtEl>
+                                          <p:spTgt spid="4"/>
+                                        </p:tgtEl>
+                                      </p:cBhvr>
+                                    </p:animEffect>
+                                  </p:childTnLst>
+                                </p:cTn>
+                              </p:par>
+                            </p:childTnLst>
+                          </p:cTn>
+                        </p:par>
+                      </p:childTnLst>
+                    </p:cTn>
+                  </p:par>
+                </p:childTnLst>
+              </p:cTn>
+              <p:prevCondLst>
+                <p:cond evt="onPrev" delay="0">
+                  <p:tgtEl>
+                    <p:sldTgt/>
+                  </p:tgtEl>
+                </p:cond>
+              </p:prevCondLst>
+              <p:nextCondLst>
+                <p:cond evt="onNext" delay="0">
+                  <p:tgtEl>
+                    <p:sldTgt/>
+                  </p:tgtEl>
+                </p:cond>
+              </p:nextCondLst>
+            </p:seq>
+          </p:childTnLst>
+        </p:cTn>
       </p:par>
     </p:tnLst>
   </p:timing>
@@ -4571,6 +5580,9 @@
                     <p:cTn id="3" fill="hold">
                       <p:stCondLst>
                         <p:cond delay="indefinite"/>
+                        <p:cond evt="onBegin" delay="0">
+                          <p:tn val="2"/>
+                        </p:cond>
                       </p:stCondLst>
                       <p:childTnLst>
                         <p:par>
@@ -4580,7 +5592,7 @@
                             </p:stCondLst>
                             <p:childTnLst>
                               <p:par>
-                                <p:cTn id="5" presetID="2" presetClass="entr" presetSubtype="4" fill="hold" grpId="0" nodeType="clickEffect">
+                                <p:cTn id="5" presetID="2" presetClass="entr" presetSubtype="4" fill="hold" nodeType="afterEffect">
                                   <p:stCondLst>
                                     <p:cond delay="0"/>
                                   </p:stCondLst>
@@ -4588,6 +5600,170 @@
                                     <p:set>
                                       <p:cBhvr>
                                         <p:cTn id="6" dur="1" fill="hold">
+                                          <p:stCondLst>
+                                            <p:cond delay="0"/>
+                                          </p:stCondLst>
+                                        </p:cTn>
+                                        <p:tgtEl>
+                                          <p:spTgt spid="4"/>
+                                        </p:tgtEl>
+                                        <p:attrNameLst>
+                                          <p:attrName>style.visibility</p:attrName>
+                                        </p:attrNameLst>
+                                      </p:cBhvr>
+                                      <p:to>
+                                        <p:strVal val="visible"/>
+                                      </p:to>
+                                    </p:set>
+                                    <p:anim calcmode="lin" valueType="num">
+                                      <p:cBhvr additive="base">
+                                        <p:cTn id="7" dur="250" fill="hold"/>
+                                        <p:tgtEl>
+                                          <p:spTgt spid="4"/>
+                                        </p:tgtEl>
+                                        <p:attrNameLst>
+                                          <p:attrName>ppt_x</p:attrName>
+                                        </p:attrNameLst>
+                                      </p:cBhvr>
+                                      <p:tavLst>
+                                        <p:tav tm="0">
+                                          <p:val>
+                                            <p:strVal val="#ppt_x"/>
+                                          </p:val>
+                                        </p:tav>
+                                        <p:tav tm="100000">
+                                          <p:val>
+                                            <p:strVal val="#ppt_x"/>
+                                          </p:val>
+                                        </p:tav>
+                                      </p:tavLst>
+                                    </p:anim>
+                                    <p:anim calcmode="lin" valueType="num">
+                                      <p:cBhvr additive="base">
+                                        <p:cTn id="8" dur="250" fill="hold"/>
+                                        <p:tgtEl>
+                                          <p:spTgt spid="4"/>
+                                        </p:tgtEl>
+                                        <p:attrNameLst>
+                                          <p:attrName>ppt_y</p:attrName>
+                                        </p:attrNameLst>
+                                      </p:cBhvr>
+                                      <p:tavLst>
+                                        <p:tav tm="0">
+                                          <p:val>
+                                            <p:strVal val="1+#ppt_h/2"/>
+                                          </p:val>
+                                        </p:tav>
+                                        <p:tav tm="100000">
+                                          <p:val>
+                                            <p:strVal val="#ppt_y"/>
+                                          </p:val>
+                                        </p:tav>
+                                      </p:tavLst>
+                                    </p:anim>
+                                  </p:childTnLst>
+                                </p:cTn>
+                              </p:par>
+                            </p:childTnLst>
+                          </p:cTn>
+                        </p:par>
+                        <p:par>
+                          <p:cTn id="9" fill="hold">
+                            <p:stCondLst>
+                              <p:cond delay="250"/>
+                            </p:stCondLst>
+                            <p:childTnLst>
+                              <p:par>
+                                <p:cTn id="10" presetID="2" presetClass="entr" presetSubtype="4" fill="hold" nodeType="afterEffect">
+                                  <p:stCondLst>
+                                    <p:cond delay="0"/>
+                                  </p:stCondLst>
+                                  <p:childTnLst>
+                                    <p:set>
+                                      <p:cBhvr>
+                                        <p:cTn id="11" dur="1" fill="hold">
+                                          <p:stCondLst>
+                                            <p:cond delay="0"/>
+                                          </p:stCondLst>
+                                        </p:cTn>
+                                        <p:tgtEl>
+                                          <p:spTgt spid="5"/>
+                                        </p:tgtEl>
+                                        <p:attrNameLst>
+                                          <p:attrName>style.visibility</p:attrName>
+                                        </p:attrNameLst>
+                                      </p:cBhvr>
+                                      <p:to>
+                                        <p:strVal val="visible"/>
+                                      </p:to>
+                                    </p:set>
+                                    <p:anim calcmode="lin" valueType="num">
+                                      <p:cBhvr additive="base">
+                                        <p:cTn id="12" dur="250" fill="hold"/>
+                                        <p:tgtEl>
+                                          <p:spTgt spid="5"/>
+                                        </p:tgtEl>
+                                        <p:attrNameLst>
+                                          <p:attrName>ppt_x</p:attrName>
+                                        </p:attrNameLst>
+                                      </p:cBhvr>
+                                      <p:tavLst>
+                                        <p:tav tm="0">
+                                          <p:val>
+                                            <p:strVal val="#ppt_x"/>
+                                          </p:val>
+                                        </p:tav>
+                                        <p:tav tm="100000">
+                                          <p:val>
+                                            <p:strVal val="#ppt_x"/>
+                                          </p:val>
+                                        </p:tav>
+                                      </p:tavLst>
+                                    </p:anim>
+                                    <p:anim calcmode="lin" valueType="num">
+                                      <p:cBhvr additive="base">
+                                        <p:cTn id="13" dur="250" fill="hold"/>
+                                        <p:tgtEl>
+                                          <p:spTgt spid="5"/>
+                                        </p:tgtEl>
+                                        <p:attrNameLst>
+                                          <p:attrName>ppt_y</p:attrName>
+                                        </p:attrNameLst>
+                                      </p:cBhvr>
+                                      <p:tavLst>
+                                        <p:tav tm="0">
+                                          <p:val>
+                                            <p:strVal val="1+#ppt_h/2"/>
+                                          </p:val>
+                                        </p:tav>
+                                        <p:tav tm="100000">
+                                          <p:val>
+                                            <p:strVal val="#ppt_y"/>
+                                          </p:val>
+                                        </p:tav>
+                                      </p:tavLst>
+                                    </p:anim>
+                                  </p:childTnLst>
+                                </p:cTn>
+                              </p:par>
+                            </p:childTnLst>
+                          </p:cTn>
+                        </p:par>
+                        <p:par>
+                          <p:cTn id="14" fill="hold">
+                            <p:stCondLst>
+                              <p:cond delay="500"/>
+                            </p:stCondLst>
+                            <p:childTnLst>
+                              <p:par>
+                                <p:cTn id="15" presetID="2" presetClass="entr" presetSubtype="4" fill="hold" grpId="0" nodeType="afterEffect">
+                                  <p:stCondLst>
+                                    <p:cond delay="0"/>
+                                  </p:stCondLst>
+                                  <p:childTnLst>
+                                    <p:set>
+                                      <p:cBhvr>
+                                        <p:cTn id="16" dur="1" fill="hold">
                                           <p:stCondLst>
                                             <p:cond delay="0"/>
                                           </p:stCondLst>
@@ -4605,7 +5781,7 @@
                                     </p:set>
                                     <p:anim calcmode="lin" valueType="num">
                                       <p:cBhvr additive="base">
-                                        <p:cTn id="7" dur="500" fill="hold"/>
+                                        <p:cTn id="17" dur="250" fill="hold"/>
                                         <p:tgtEl>
                                           <p:spTgt spid="6"/>
                                         </p:tgtEl>
@@ -4628,7 +5804,7 @@
                                     </p:anim>
                                     <p:anim calcmode="lin" valueType="num">
                                       <p:cBhvr additive="base">
-                                        <p:cTn id="8" dur="500" fill="hold"/>
+                                        <p:cTn id="18" dur="250" fill="hold"/>
                                         <p:tgtEl>
                                           <p:spTgt spid="6"/>
                                         </p:tgtEl>
@@ -4655,30 +5831,21 @@
                             </p:childTnLst>
                           </p:cTn>
                         </p:par>
-                      </p:childTnLst>
-                    </p:cTn>
-                  </p:par>
-                  <p:par>
-                    <p:cTn id="9" fill="hold">
-                      <p:stCondLst>
-                        <p:cond delay="indefinite"/>
-                      </p:stCondLst>
-                      <p:childTnLst>
                         <p:par>
-                          <p:cTn id="10" fill="hold">
+                          <p:cTn id="19" fill="hold">
                             <p:stCondLst>
-                              <p:cond delay="0"/>
+                              <p:cond delay="750"/>
                             </p:stCondLst>
                             <p:childTnLst>
                               <p:par>
-                                <p:cTn id="11" presetID="2" presetClass="entr" presetSubtype="4" fill="hold" grpId="0" nodeType="clickEffect">
+                                <p:cTn id="20" presetID="2" presetClass="entr" presetSubtype="4" fill="hold" grpId="0" nodeType="afterEffect">
                                   <p:stCondLst>
                                     <p:cond delay="0"/>
                                   </p:stCondLst>
                                   <p:childTnLst>
                                     <p:set>
                                       <p:cBhvr>
-                                        <p:cTn id="12" dur="1" fill="hold">
+                                        <p:cTn id="21" dur="1" fill="hold">
                                           <p:stCondLst>
                                             <p:cond delay="0"/>
                                           </p:stCondLst>
@@ -4696,7 +5863,7 @@
                                     </p:set>
                                     <p:anim calcmode="lin" valueType="num">
                                       <p:cBhvr additive="base">
-                                        <p:cTn id="13" dur="500" fill="hold"/>
+                                        <p:cTn id="22" dur="250" fill="hold"/>
                                         <p:tgtEl>
                                           <p:spTgt spid="8"/>
                                         </p:tgtEl>
@@ -4719,7 +5886,7 @@
                                     </p:anim>
                                     <p:anim calcmode="lin" valueType="num">
                                       <p:cBhvr additive="base">
-                                        <p:cTn id="14" dur="500" fill="hold"/>
+                                        <p:cTn id="23" dur="250" fill="hold"/>
                                         <p:tgtEl>
                                           <p:spTgt spid="8"/>
                                         </p:tgtEl>
@@ -4896,11 +6063,11 @@
   <p:clrMapOvr>
     <a:masterClrMapping/>
   </p:clrMapOvr>
-  <mc:AlternateContent xmlns:mc="http://schemas.openxmlformats.org/markup-compatibility/2006">
-    <mc:Choice xmlns:p14="http://schemas.microsoft.com/office/powerpoint/2010/main" Requires="p14">
+  <mc:AlternateContent xmlns:mc="http://schemas.openxmlformats.org/markup-compatibility/2006" xmlns:p14="http://schemas.microsoft.com/office/powerpoint/2010/main">
+    <mc:Choice Requires="p14">
       <p:transition p14:dur="0"/>
     </mc:Choice>
-    <mc:Fallback>
+    <mc:Fallback xmlns="">
       <p:transition/>
     </mc:Fallback>
   </mc:AlternateContent>
@@ -4916,6 +6083,9 @@
                     <p:cTn id="3" fill="hold">
                       <p:stCondLst>
                         <p:cond delay="indefinite"/>
+                        <p:cond evt="onBegin" delay="0">
+                          <p:tn val="2"/>
+                        </p:cond>
                       </p:stCondLst>
                       <p:childTnLst>
                         <p:par>
@@ -4925,7 +6095,7 @@
                             </p:stCondLst>
                             <p:childTnLst>
                               <p:par>
-                                <p:cTn id="5" presetID="2" presetClass="entr" presetSubtype="4" fill="hold" nodeType="clickEffect">
+                                <p:cTn id="5" presetID="2" presetClass="entr" presetSubtype="4" fill="hold" nodeType="afterEffect">
                                   <p:stCondLst>
                                     <p:cond delay="0"/>
                                   </p:stCondLst>
@@ -4950,7 +6120,7 @@
                                     </p:set>
                                     <p:anim calcmode="lin" valueType="num">
                                       <p:cBhvr additive="base">
-                                        <p:cTn id="7" dur="500" fill="hold"/>
+                                        <p:cTn id="7" dur="250" fill="hold"/>
                                         <p:tgtEl>
                                           <p:spTgt spid="4"/>
                                         </p:tgtEl>
@@ -4973,7 +6143,7 @@
                                     </p:anim>
                                     <p:anim calcmode="lin" valueType="num">
                                       <p:cBhvr additive="base">
-                                        <p:cTn id="8" dur="500" fill="hold"/>
+                                        <p:cTn id="8" dur="250" fill="hold"/>
                                         <p:tgtEl>
                                           <p:spTgt spid="4"/>
                                         </p:tgtEl>
@@ -5000,30 +6170,21 @@
                             </p:childTnLst>
                           </p:cTn>
                         </p:par>
-                      </p:childTnLst>
-                    </p:cTn>
-                  </p:par>
-                  <p:par>
-                    <p:cTn id="9" fill="hold">
-                      <p:stCondLst>
-                        <p:cond delay="indefinite"/>
-                      </p:stCondLst>
-                      <p:childTnLst>
                         <p:par>
-                          <p:cTn id="10" fill="hold">
+                          <p:cTn id="9" fill="hold">
                             <p:stCondLst>
-                              <p:cond delay="0"/>
+                              <p:cond delay="250"/>
                             </p:stCondLst>
                             <p:childTnLst>
                               <p:par>
-                                <p:cTn id="11" presetID="10" presetClass="entr" presetSubtype="0" fill="hold" nodeType="clickEffect">
+                                <p:cTn id="10" presetID="2" presetClass="entr" presetSubtype="4" fill="hold" nodeType="afterEffect">
                                   <p:stCondLst>
                                     <p:cond delay="0"/>
                                   </p:stCondLst>
                                   <p:childTnLst>
                                     <p:set>
                                       <p:cBhvr>
-                                        <p:cTn id="12" dur="1" fill="hold">
+                                        <p:cTn id="11" dur="1" fill="hold">
                                           <p:stCondLst>
                                             <p:cond delay="0"/>
                                           </p:stCondLst>
@@ -5039,14 +6200,52 @@
                                         <p:strVal val="visible"/>
                                       </p:to>
                                     </p:set>
-                                    <p:animEffect transition="in" filter="fade">
-                                      <p:cBhvr>
-                                        <p:cTn id="13" dur="2000"/>
+                                    <p:anim calcmode="lin" valueType="num">
+                                      <p:cBhvr additive="base">
+                                        <p:cTn id="12" dur="250" fill="hold"/>
                                         <p:tgtEl>
                                           <p:spTgt spid="5"/>
                                         </p:tgtEl>
+                                        <p:attrNameLst>
+                                          <p:attrName>ppt_x</p:attrName>
+                                        </p:attrNameLst>
                                       </p:cBhvr>
-                                    </p:animEffect>
+                                      <p:tavLst>
+                                        <p:tav tm="0">
+                                          <p:val>
+                                            <p:strVal val="#ppt_x"/>
+                                          </p:val>
+                                        </p:tav>
+                                        <p:tav tm="100000">
+                                          <p:val>
+                                            <p:strVal val="#ppt_x"/>
+                                          </p:val>
+                                        </p:tav>
+                                      </p:tavLst>
+                                    </p:anim>
+                                    <p:anim calcmode="lin" valueType="num">
+                                      <p:cBhvr additive="base">
+                                        <p:cTn id="13" dur="250" fill="hold"/>
+                                        <p:tgtEl>
+                                          <p:spTgt spid="5"/>
+                                        </p:tgtEl>
+                                        <p:attrNameLst>
+                                          <p:attrName>ppt_y</p:attrName>
+                                        </p:attrNameLst>
+                                      </p:cBhvr>
+                                      <p:tavLst>
+                                        <p:tav tm="0">
+                                          <p:val>
+                                            <p:strVal val="1+#ppt_h/2"/>
+                                          </p:val>
+                                        </p:tav>
+                                        <p:tav tm="100000">
+                                          <p:val>
+                                            <p:strVal val="#ppt_y"/>
+                                          </p:val>
+                                        </p:tav>
+                                      </p:tavLst>
+                                    </p:anim>
                                   </p:childTnLst>
                                 </p:cTn>
                               </p:par>
